--- a/PPT data/4 week/ppt/Dataset/code & ppt/이태학_데이터증식.pptx
+++ b/PPT data/4 week/ppt/Dataset/code & ppt/이태학_데이터증식.pptx
@@ -5,7 +5,7 @@
     <p:sldMasterId id="2147483648" r:id="rId1"/>
   </p:sldMasterIdLst>
   <p:notesMasterIdLst>
-    <p:notesMasterId r:id="rId7"/>
+    <p:notesMasterId r:id="rId14"/>
   </p:notesMasterIdLst>
   <p:sldIdLst>
     <p:sldId id="259" r:id="rId2"/>
@@ -13,6 +13,13 @@
     <p:sldId id="261" r:id="rId4"/>
     <p:sldId id="262" r:id="rId5"/>
     <p:sldId id="263" r:id="rId6"/>
+    <p:sldId id="266" r:id="rId7"/>
+    <p:sldId id="264" r:id="rId8"/>
+    <p:sldId id="267" r:id="rId9"/>
+    <p:sldId id="268" r:id="rId10"/>
+    <p:sldId id="269" r:id="rId11"/>
+    <p:sldId id="270" r:id="rId12"/>
+    <p:sldId id="271" r:id="rId13"/>
   </p:sldIdLst>
   <p:sldSz cx="12192000" cy="6858000"/>
   <p:notesSz cx="6858000" cy="9144000"/>
@@ -216,7 +223,7 @@
           <a:p>
             <a:fld id="{4FA6C0B6-25BD-4772-A64A-1CD3F243414E}" type="datetimeFigureOut">
               <a:rPr lang="ko-KR" altLang="en-US" smtClean="0"/>
-              <a:t>2020-01-14</a:t>
+              <a:t>2020-01-20</a:t>
             </a:fld>
             <a:endParaRPr lang="ko-KR" altLang="en-US"/>
           </a:p>
@@ -630,7 +637,7 @@
           <a:p>
             <a:fld id="{7E38006F-B59C-41B4-AD5C-DE0A194C92B9}" type="datetime1">
               <a:rPr lang="ko-KR" altLang="en-US" smtClean="0"/>
-              <a:t>2020-01-14</a:t>
+              <a:t>2020-01-20</a:t>
             </a:fld>
             <a:endParaRPr lang="ko-KR" altLang="en-US"/>
           </a:p>
@@ -828,7 +835,7 @@
           <a:p>
             <a:fld id="{A7C0F5ED-11BA-43B5-852D-7BA6D15411F7}" type="datetime1">
               <a:rPr lang="ko-KR" altLang="en-US" smtClean="0"/>
-              <a:t>2020-01-14</a:t>
+              <a:t>2020-01-20</a:t>
             </a:fld>
             <a:endParaRPr lang="ko-KR" altLang="en-US"/>
           </a:p>
@@ -1036,7 +1043,7 @@
           <a:p>
             <a:fld id="{8D58D94D-1B32-49AD-8976-A6A26ECD7193}" type="datetime1">
               <a:rPr lang="ko-KR" altLang="en-US" smtClean="0"/>
-              <a:t>2020-01-14</a:t>
+              <a:t>2020-01-20</a:t>
             </a:fld>
             <a:endParaRPr lang="ko-KR" altLang="en-US"/>
           </a:p>
@@ -1234,7 +1241,7 @@
           <a:p>
             <a:fld id="{B4AFBAD0-5A91-4146-AC60-2D28DA950A83}" type="datetime1">
               <a:rPr lang="ko-KR" altLang="en-US" smtClean="0"/>
-              <a:t>2020-01-14</a:t>
+              <a:t>2020-01-20</a:t>
             </a:fld>
             <a:endParaRPr lang="ko-KR" altLang="en-US"/>
           </a:p>
@@ -1509,7 +1516,7 @@
           <a:p>
             <a:fld id="{18C0D314-424D-457A-9221-B06F87C9786B}" type="datetime1">
               <a:rPr lang="ko-KR" altLang="en-US" smtClean="0"/>
-              <a:t>2020-01-14</a:t>
+              <a:t>2020-01-20</a:t>
             </a:fld>
             <a:endParaRPr lang="ko-KR" altLang="en-US"/>
           </a:p>
@@ -1774,7 +1781,7 @@
           <a:p>
             <a:fld id="{2090149B-79F1-465C-8CFA-F2520CC5D23E}" type="datetime1">
               <a:rPr lang="ko-KR" altLang="en-US" smtClean="0"/>
-              <a:t>2020-01-14</a:t>
+              <a:t>2020-01-20</a:t>
             </a:fld>
             <a:endParaRPr lang="ko-KR" altLang="en-US"/>
           </a:p>
@@ -2186,7 +2193,7 @@
           <a:p>
             <a:fld id="{FFFDFC76-4F2C-4CE8-8B1F-3777645A1D97}" type="datetime1">
               <a:rPr lang="ko-KR" altLang="en-US" smtClean="0"/>
-              <a:t>2020-01-14</a:t>
+              <a:t>2020-01-20</a:t>
             </a:fld>
             <a:endParaRPr lang="ko-KR" altLang="en-US"/>
           </a:p>
@@ -2327,7 +2334,7 @@
           <a:p>
             <a:fld id="{20FC6F81-FE3A-4448-AB0B-DC1334412414}" type="datetime1">
               <a:rPr lang="ko-KR" altLang="en-US" smtClean="0"/>
-              <a:t>2020-01-14</a:t>
+              <a:t>2020-01-20</a:t>
             </a:fld>
             <a:endParaRPr lang="ko-KR" altLang="en-US"/>
           </a:p>
@@ -2440,7 +2447,7 @@
           <a:p>
             <a:fld id="{CAD0069D-1F14-46E5-A36E-0529A403F2DF}" type="datetime1">
               <a:rPr lang="ko-KR" altLang="en-US" smtClean="0"/>
-              <a:t>2020-01-14</a:t>
+              <a:t>2020-01-20</a:t>
             </a:fld>
             <a:endParaRPr lang="ko-KR" altLang="en-US"/>
           </a:p>
@@ -2751,7 +2758,7 @@
           <a:p>
             <a:fld id="{0EDEADCB-894B-4199-856D-A3E0621E3BC5}" type="datetime1">
               <a:rPr lang="ko-KR" altLang="en-US" smtClean="0"/>
-              <a:t>2020-01-14</a:t>
+              <a:t>2020-01-20</a:t>
             </a:fld>
             <a:endParaRPr lang="ko-KR" altLang="en-US"/>
           </a:p>
@@ -3039,7 +3046,7 @@
           <a:p>
             <a:fld id="{35F2626E-D7F8-46C0-A262-A252BAB55857}" type="datetime1">
               <a:rPr lang="ko-KR" altLang="en-US" smtClean="0"/>
-              <a:t>2020-01-14</a:t>
+              <a:t>2020-01-20</a:t>
             </a:fld>
             <a:endParaRPr lang="ko-KR" altLang="en-US"/>
           </a:p>
@@ -3280,7 +3287,7 @@
           <a:p>
             <a:fld id="{E26F8665-FC2F-4063-B34D-78DEBE3E2FC5}" type="datetime1">
               <a:rPr lang="ko-KR" altLang="en-US" smtClean="0"/>
-              <a:t>2020-01-14</a:t>
+              <a:t>2020-01-20</a:t>
             </a:fld>
             <a:endParaRPr lang="ko-KR" altLang="en-US"/>
           </a:p>
@@ -3916,6 +3923,1419 @@
 </p:sld>
 </file>
 
+<file path=ppt/slides/slide10.xml><?xml version="1.0" encoding="utf-8"?>
+<p:sld xmlns:a="http://schemas.openxmlformats.org/drawingml/2006/main" xmlns:r="http://schemas.openxmlformats.org/officeDocument/2006/relationships" xmlns:p="http://schemas.openxmlformats.org/presentationml/2006/main">
+  <p:cSld>
+    <p:spTree>
+      <p:nvGrpSpPr>
+        <p:cNvPr id="1" name=""/>
+        <p:cNvGrpSpPr/>
+        <p:nvPr/>
+      </p:nvGrpSpPr>
+      <p:grpSpPr>
+        <a:xfrm>
+          <a:off x="0" y="0"/>
+          <a:ext cx="0" cy="0"/>
+          <a:chOff x="0" y="0"/>
+          <a:chExt cx="0" cy="0"/>
+        </a:xfrm>
+      </p:grpSpPr>
+      <p:pic>
+        <p:nvPicPr>
+          <p:cNvPr id="7" name="그림 6"/>
+          <p:cNvPicPr>
+            <a:picLocks noChangeAspect="1"/>
+          </p:cNvPicPr>
+          <p:nvPr/>
+        </p:nvPicPr>
+        <p:blipFill>
+          <a:blip r:embed="rId2"/>
+          <a:stretch>
+            <a:fillRect/>
+          </a:stretch>
+        </p:blipFill>
+        <p:spPr>
+          <a:xfrm>
+            <a:off x="2640283" y="0"/>
+            <a:ext cx="6911433" cy="6870488"/>
+          </a:xfrm>
+          <a:prstGeom prst="rect">
+            <a:avLst/>
+          </a:prstGeom>
+        </p:spPr>
+      </p:pic>
+      <p:sp>
+        <p:nvSpPr>
+          <p:cNvPr id="4" name="직사각형 3">
+            <a:extLst>
+              <a:ext uri="{FF2B5EF4-FFF2-40B4-BE49-F238E27FC236}">
+                <a16:creationId xmlns:a16="http://schemas.microsoft.com/office/drawing/2014/main" id="{BF0A348F-BA38-45F0-AF92-9E2C422A1DF6}"/>
+              </a:ext>
+            </a:extLst>
+          </p:cNvPr>
+          <p:cNvSpPr/>
+          <p:nvPr/>
+        </p:nvSpPr>
+        <p:spPr>
+          <a:xfrm>
+            <a:off x="-1" y="0"/>
+            <a:ext cx="12192000" cy="6858000"/>
+          </a:xfrm>
+          <a:prstGeom prst="rect">
+            <a:avLst/>
+          </a:prstGeom>
+          <a:solidFill>
+            <a:schemeClr val="tx1">
+              <a:alpha val="80000"/>
+            </a:schemeClr>
+          </a:solidFill>
+        </p:spPr>
+        <p:style>
+          <a:lnRef idx="2">
+            <a:schemeClr val="accent1">
+              <a:shade val="50000"/>
+            </a:schemeClr>
+          </a:lnRef>
+          <a:fillRef idx="1">
+            <a:schemeClr val="accent1"/>
+          </a:fillRef>
+          <a:effectRef idx="0">
+            <a:schemeClr val="accent1"/>
+          </a:effectRef>
+          <a:fontRef idx="minor">
+            <a:schemeClr val="lt1"/>
+          </a:fontRef>
+        </p:style>
+        <p:txBody>
+          <a:bodyPr rtlCol="0" anchor="ctr"/>
+          <a:lstStyle/>
+          <a:p>
+            <a:pPr algn="ctr"/>
+            <a:endParaRPr lang="ko-KR" altLang="en-US" dirty="0"/>
+          </a:p>
+        </p:txBody>
+      </p:sp>
+      <p:sp>
+        <p:nvSpPr>
+          <p:cNvPr id="16" name="제목 15"/>
+          <p:cNvSpPr>
+            <a:spLocks noGrp="1"/>
+          </p:cNvSpPr>
+          <p:nvPr>
+            <p:ph type="title"/>
+          </p:nvPr>
+        </p:nvSpPr>
+        <p:spPr>
+          <a:xfrm>
+            <a:off x="838200" y="365125"/>
+            <a:ext cx="10515600" cy="6198653"/>
+          </a:xfrm>
+        </p:spPr>
+        <p:txBody>
+          <a:bodyPr>
+            <a:normAutofit/>
+          </a:bodyPr>
+          <a:lstStyle/>
+          <a:p>
+            <a:pPr lvl="0"/>
+            <a:r>
+              <a:rPr lang="ko-KR" altLang="en-US" dirty="0" smtClean="0">
+                <a:solidFill>
+                  <a:schemeClr val="bg1"/>
+                </a:solidFill>
+              </a:rPr>
+              <a:t>실행 </a:t>
+            </a:r>
+            <a:r>
+              <a:rPr lang="ko-KR" altLang="en-US" dirty="0" smtClean="0">
+                <a:solidFill>
+                  <a:schemeClr val="bg1"/>
+                </a:solidFill>
+              </a:rPr>
+              <a:t>결과</a:t>
+            </a:r>
+            <a:r>
+              <a:rPr lang="en-US" altLang="ko-KR" dirty="0" smtClean="0">
+                <a:solidFill>
+                  <a:schemeClr val="bg1"/>
+                </a:solidFill>
+              </a:rPr>
+              <a:t/>
+            </a:r>
+            <a:br>
+              <a:rPr lang="en-US" altLang="ko-KR" dirty="0" smtClean="0">
+                <a:solidFill>
+                  <a:schemeClr val="bg1"/>
+                </a:solidFill>
+              </a:rPr>
+            </a:br>
+            <a:r>
+              <a:rPr lang="en-US" altLang="ko-KR" sz="1800" dirty="0" smtClean="0">
+                <a:solidFill>
+                  <a:schemeClr val="bg1"/>
+                </a:solidFill>
+              </a:rPr>
+              <a:t>horizontal</a:t>
+            </a:r>
+            <a:r>
+              <a:rPr lang="en-US" altLang="ko-KR" sz="1800" dirty="0" smtClean="0">
+                <a:solidFill>
+                  <a:schemeClr val="bg1"/>
+                </a:solidFill>
+              </a:rPr>
+              <a:t>_flip </a:t>
+            </a:r>
+            <a:r>
+              <a:rPr lang="ko-KR" altLang="en-US" sz="1800" dirty="0" smtClean="0">
+                <a:solidFill>
+                  <a:schemeClr val="bg1"/>
+                </a:solidFill>
+              </a:rPr>
+              <a:t>조정</a:t>
+            </a:r>
+            <a:r>
+              <a:rPr lang="en-US" altLang="ko-KR" sz="1800" dirty="0" smtClean="0">
+                <a:solidFill>
+                  <a:schemeClr val="bg1"/>
+                </a:solidFill>
+              </a:rPr>
+              <a:t/>
+            </a:r>
+            <a:br>
+              <a:rPr lang="en-US" altLang="ko-KR" sz="1800" dirty="0" smtClean="0">
+                <a:solidFill>
+                  <a:schemeClr val="bg1"/>
+                </a:solidFill>
+              </a:rPr>
+            </a:br>
+            <a:r>
+              <a:rPr lang="ko-KR" altLang="ko-KR" sz="1800" dirty="0">
+                <a:solidFill>
+                  <a:schemeClr val="bg1"/>
+                </a:solidFill>
+                <a:ea typeface="Nanum Barun Gothic"/>
+              </a:rPr>
+              <a:t>True로 설정할 경우, </a:t>
+            </a:r>
+            <a:r>
+              <a:rPr lang="en-US" altLang="ko-KR" sz="1800" dirty="0" smtClean="0">
+                <a:solidFill>
+                  <a:schemeClr val="bg1"/>
+                </a:solidFill>
+                <a:ea typeface="Nanum Barun Gothic"/>
+              </a:rPr>
+              <a:t/>
+            </a:r>
+            <a:br>
+              <a:rPr lang="en-US" altLang="ko-KR" sz="1800" dirty="0" smtClean="0">
+                <a:solidFill>
+                  <a:schemeClr val="bg1"/>
+                </a:solidFill>
+                <a:ea typeface="Nanum Barun Gothic"/>
+              </a:rPr>
+            </a:br>
+            <a:r>
+              <a:rPr lang="ko-KR" altLang="ko-KR" sz="1800" dirty="0" smtClean="0">
+                <a:solidFill>
+                  <a:schemeClr val="bg1"/>
+                </a:solidFill>
+                <a:ea typeface="Nanum Barun Gothic"/>
+              </a:rPr>
+              <a:t>50</a:t>
+            </a:r>
+            <a:r>
+              <a:rPr lang="ko-KR" altLang="ko-KR" sz="1800" dirty="0">
+                <a:solidFill>
+                  <a:schemeClr val="bg1"/>
+                </a:solidFill>
+                <a:ea typeface="Nanum Barun Gothic"/>
+              </a:rPr>
+              <a:t>% 확률로 이미지를 수평으로 </a:t>
+            </a:r>
+            <a:r>
+              <a:rPr lang="en-US" altLang="ko-KR" sz="1800" dirty="0" smtClean="0">
+                <a:solidFill>
+                  <a:schemeClr val="bg1"/>
+                </a:solidFill>
+                <a:ea typeface="Nanum Barun Gothic"/>
+              </a:rPr>
+              <a:t/>
+            </a:r>
+            <a:br>
+              <a:rPr lang="en-US" altLang="ko-KR" sz="1800" dirty="0" smtClean="0">
+                <a:solidFill>
+                  <a:schemeClr val="bg1"/>
+                </a:solidFill>
+                <a:ea typeface="Nanum Barun Gothic"/>
+              </a:rPr>
+            </a:br>
+            <a:r>
+              <a:rPr lang="ko-KR" altLang="ko-KR" sz="1800" dirty="0" smtClean="0">
+                <a:solidFill>
+                  <a:schemeClr val="bg1"/>
+                </a:solidFill>
+                <a:ea typeface="Nanum Barun Gothic"/>
+              </a:rPr>
+              <a:t>뒤집습니다</a:t>
+            </a:r>
+            <a:endParaRPr lang="ko-KR" altLang="en-US" sz="1800" dirty="0">
+              <a:solidFill>
+                <a:schemeClr val="bg1"/>
+              </a:solidFill>
+            </a:endParaRPr>
+          </a:p>
+        </p:txBody>
+      </p:sp>
+      <p:sp>
+        <p:nvSpPr>
+          <p:cNvPr id="6" name="슬라이드 번호 개체 틀 5">
+            <a:extLst>
+              <a:ext uri="{FF2B5EF4-FFF2-40B4-BE49-F238E27FC236}">
+                <a16:creationId xmlns:a16="http://schemas.microsoft.com/office/drawing/2014/main" id="{0D969F13-F0F9-40BB-9F73-11A02D508AEA}"/>
+              </a:ext>
+            </a:extLst>
+          </p:cNvPr>
+          <p:cNvSpPr>
+            <a:spLocks noGrp="1"/>
+          </p:cNvSpPr>
+          <p:nvPr>
+            <p:ph type="sldNum" sz="quarter" idx="12"/>
+          </p:nvPr>
+        </p:nvSpPr>
+        <p:spPr/>
+        <p:txBody>
+          <a:bodyPr/>
+          <a:lstStyle/>
+          <a:p>
+            <a:fld id="{AB81654A-47D9-40E7-9E30-F89685321D9F}" type="slidenum">
+              <a:rPr lang="ko-KR" altLang="en-US" sz="1600" smtClean="0">
+                <a:solidFill>
+                  <a:schemeClr val="bg1"/>
+                </a:solidFill>
+              </a:rPr>
+              <a:t>10</a:t>
+            </a:fld>
+            <a:endParaRPr lang="ko-KR" altLang="en-US" sz="1600" dirty="0">
+              <a:solidFill>
+                <a:schemeClr val="bg1"/>
+              </a:solidFill>
+            </a:endParaRPr>
+          </a:p>
+        </p:txBody>
+      </p:sp>
+      <p:pic>
+        <p:nvPicPr>
+          <p:cNvPr id="5" name="내용 개체 틀 4"/>
+          <p:cNvPicPr>
+            <a:picLocks noGrp="1" noChangeAspect="1"/>
+          </p:cNvPicPr>
+          <p:nvPr>
+            <p:ph idx="1"/>
+          </p:nvPr>
+        </p:nvPicPr>
+        <p:blipFill>
+          <a:blip r:embed="rId3"/>
+          <a:stretch>
+            <a:fillRect/>
+          </a:stretch>
+        </p:blipFill>
+        <p:spPr>
+          <a:xfrm>
+            <a:off x="4947545" y="329673"/>
+            <a:ext cx="2045543" cy="6208545"/>
+          </a:xfrm>
+          <a:prstGeom prst="rect">
+            <a:avLst/>
+          </a:prstGeom>
+        </p:spPr>
+      </p:pic>
+      <p:pic>
+        <p:nvPicPr>
+          <p:cNvPr id="3" name="그림 2"/>
+          <p:cNvPicPr>
+            <a:picLocks noChangeAspect="1"/>
+          </p:cNvPicPr>
+          <p:nvPr/>
+        </p:nvPicPr>
+        <p:blipFill>
+          <a:blip r:embed="rId4"/>
+          <a:stretch>
+            <a:fillRect/>
+          </a:stretch>
+        </p:blipFill>
+        <p:spPr>
+          <a:xfrm>
+            <a:off x="7772401" y="329673"/>
+            <a:ext cx="1891831" cy="6234105"/>
+          </a:xfrm>
+          <a:prstGeom prst="rect">
+            <a:avLst/>
+          </a:prstGeom>
+        </p:spPr>
+      </p:pic>
+    </p:spTree>
+    <p:extLst>
+      <p:ext uri="{BB962C8B-B14F-4D97-AF65-F5344CB8AC3E}">
+        <p14:creationId xmlns:p14="http://schemas.microsoft.com/office/powerpoint/2010/main" val="1111528481"/>
+      </p:ext>
+    </p:extLst>
+  </p:cSld>
+  <p:clrMapOvr>
+    <a:masterClrMapping/>
+  </p:clrMapOvr>
+  <p:timing>
+    <p:tnLst>
+      <p:par>
+        <p:cTn id="1" dur="indefinite" restart="never" nodeType="tmRoot"/>
+      </p:par>
+    </p:tnLst>
+  </p:timing>
+</p:sld>
+</file>
+
+<file path=ppt/slides/slide11.xml><?xml version="1.0" encoding="utf-8"?>
+<p:sld xmlns:a="http://schemas.openxmlformats.org/drawingml/2006/main" xmlns:r="http://schemas.openxmlformats.org/officeDocument/2006/relationships" xmlns:p="http://schemas.openxmlformats.org/presentationml/2006/main">
+  <p:cSld>
+    <p:spTree>
+      <p:nvGrpSpPr>
+        <p:cNvPr id="1" name=""/>
+        <p:cNvGrpSpPr/>
+        <p:nvPr/>
+      </p:nvGrpSpPr>
+      <p:grpSpPr>
+        <a:xfrm>
+          <a:off x="0" y="0"/>
+          <a:ext cx="0" cy="0"/>
+          <a:chOff x="0" y="0"/>
+          <a:chExt cx="0" cy="0"/>
+        </a:xfrm>
+      </p:grpSpPr>
+      <p:pic>
+        <p:nvPicPr>
+          <p:cNvPr id="7" name="그림 6"/>
+          <p:cNvPicPr>
+            <a:picLocks noChangeAspect="1"/>
+          </p:cNvPicPr>
+          <p:nvPr/>
+        </p:nvPicPr>
+        <p:blipFill>
+          <a:blip r:embed="rId2"/>
+          <a:stretch>
+            <a:fillRect/>
+          </a:stretch>
+        </p:blipFill>
+        <p:spPr>
+          <a:xfrm>
+            <a:off x="2640283" y="0"/>
+            <a:ext cx="6911433" cy="6870488"/>
+          </a:xfrm>
+          <a:prstGeom prst="rect">
+            <a:avLst/>
+          </a:prstGeom>
+        </p:spPr>
+      </p:pic>
+      <p:sp>
+        <p:nvSpPr>
+          <p:cNvPr id="4" name="직사각형 3">
+            <a:extLst>
+              <a:ext uri="{FF2B5EF4-FFF2-40B4-BE49-F238E27FC236}">
+                <a16:creationId xmlns:a16="http://schemas.microsoft.com/office/drawing/2014/main" id="{BF0A348F-BA38-45F0-AF92-9E2C422A1DF6}"/>
+              </a:ext>
+            </a:extLst>
+          </p:cNvPr>
+          <p:cNvSpPr/>
+          <p:nvPr/>
+        </p:nvSpPr>
+        <p:spPr>
+          <a:xfrm>
+            <a:off x="-1" y="0"/>
+            <a:ext cx="12192000" cy="6858000"/>
+          </a:xfrm>
+          <a:prstGeom prst="rect">
+            <a:avLst/>
+          </a:prstGeom>
+          <a:solidFill>
+            <a:schemeClr val="tx1">
+              <a:alpha val="80000"/>
+            </a:schemeClr>
+          </a:solidFill>
+        </p:spPr>
+        <p:style>
+          <a:lnRef idx="2">
+            <a:schemeClr val="accent1">
+              <a:shade val="50000"/>
+            </a:schemeClr>
+          </a:lnRef>
+          <a:fillRef idx="1">
+            <a:schemeClr val="accent1"/>
+          </a:fillRef>
+          <a:effectRef idx="0">
+            <a:schemeClr val="accent1"/>
+          </a:effectRef>
+          <a:fontRef idx="minor">
+            <a:schemeClr val="lt1"/>
+          </a:fontRef>
+        </p:style>
+        <p:txBody>
+          <a:bodyPr rtlCol="0" anchor="ctr"/>
+          <a:lstStyle/>
+          <a:p>
+            <a:pPr algn="ctr"/>
+            <a:endParaRPr lang="ko-KR" altLang="en-US" dirty="0"/>
+          </a:p>
+        </p:txBody>
+      </p:sp>
+      <p:sp>
+        <p:nvSpPr>
+          <p:cNvPr id="16" name="제목 15"/>
+          <p:cNvSpPr>
+            <a:spLocks noGrp="1"/>
+          </p:cNvSpPr>
+          <p:nvPr>
+            <p:ph type="title"/>
+          </p:nvPr>
+        </p:nvSpPr>
+        <p:spPr>
+          <a:xfrm>
+            <a:off x="838200" y="365125"/>
+            <a:ext cx="10515600" cy="5971268"/>
+          </a:xfrm>
+        </p:spPr>
+        <p:txBody>
+          <a:bodyPr>
+            <a:normAutofit/>
+          </a:bodyPr>
+          <a:lstStyle/>
+          <a:p>
+            <a:pPr lvl="0"/>
+            <a:r>
+              <a:rPr lang="ko-KR" altLang="en-US" dirty="0" smtClean="0">
+                <a:solidFill>
+                  <a:schemeClr val="bg1"/>
+                </a:solidFill>
+              </a:rPr>
+              <a:t>실행 </a:t>
+            </a:r>
+            <a:r>
+              <a:rPr lang="ko-KR" altLang="en-US" dirty="0" smtClean="0">
+                <a:solidFill>
+                  <a:schemeClr val="bg1"/>
+                </a:solidFill>
+              </a:rPr>
+              <a:t>결과</a:t>
+            </a:r>
+            <a:r>
+              <a:rPr lang="en-US" altLang="ko-KR" dirty="0" smtClean="0">
+                <a:solidFill>
+                  <a:schemeClr val="bg1"/>
+                </a:solidFill>
+              </a:rPr>
+              <a:t/>
+            </a:r>
+            <a:br>
+              <a:rPr lang="en-US" altLang="ko-KR" dirty="0" smtClean="0">
+                <a:solidFill>
+                  <a:schemeClr val="bg1"/>
+                </a:solidFill>
+              </a:rPr>
+            </a:br>
+            <a:r>
+              <a:rPr lang="en-US" altLang="ko-KR" sz="2000" dirty="0" smtClean="0">
+                <a:solidFill>
+                  <a:schemeClr val="bg1"/>
+                </a:solidFill>
+              </a:rPr>
+              <a:t>fill_mode </a:t>
+            </a:r>
+            <a:r>
+              <a:rPr lang="ko-KR" altLang="en-US" sz="2000" dirty="0" smtClean="0">
+                <a:solidFill>
+                  <a:schemeClr val="bg1"/>
+                </a:solidFill>
+              </a:rPr>
+              <a:t>조정</a:t>
+            </a:r>
+            <a:r>
+              <a:rPr lang="en-US" altLang="ko-KR" sz="2000" dirty="0" smtClean="0">
+                <a:solidFill>
+                  <a:schemeClr val="bg1"/>
+                </a:solidFill>
+              </a:rPr>
+              <a:t/>
+            </a:r>
+            <a:br>
+              <a:rPr lang="en-US" altLang="ko-KR" sz="2000" dirty="0" smtClean="0">
+                <a:solidFill>
+                  <a:schemeClr val="bg1"/>
+                </a:solidFill>
+              </a:rPr>
+            </a:br>
+            <a:r>
+              <a:rPr lang="ko-KR" altLang="ko-KR" sz="2000" dirty="0">
+                <a:solidFill>
+                  <a:schemeClr val="bg1"/>
+                </a:solidFill>
+                <a:latin typeface="Arial" panose="020B0604020202020204" pitchFamily="34" charset="0"/>
+                <a:ea typeface="Nanum Barun Gothic"/>
+              </a:rPr>
+              <a:t>이미지를 회전, </a:t>
+            </a:r>
+            <a:r>
+              <a:rPr lang="en-US" altLang="ko-KR" sz="2000" dirty="0" smtClean="0">
+                <a:solidFill>
+                  <a:schemeClr val="bg1"/>
+                </a:solidFill>
+                <a:latin typeface="Arial" panose="020B0604020202020204" pitchFamily="34" charset="0"/>
+                <a:ea typeface="Nanum Barun Gothic"/>
+              </a:rPr>
+              <a:t/>
+            </a:r>
+            <a:br>
+              <a:rPr lang="en-US" altLang="ko-KR" sz="2000" dirty="0" smtClean="0">
+                <a:solidFill>
+                  <a:schemeClr val="bg1"/>
+                </a:solidFill>
+                <a:latin typeface="Arial" panose="020B0604020202020204" pitchFamily="34" charset="0"/>
+                <a:ea typeface="Nanum Barun Gothic"/>
+              </a:rPr>
+            </a:br>
+            <a:r>
+              <a:rPr lang="ko-KR" altLang="ko-KR" sz="2000" dirty="0" smtClean="0">
+                <a:solidFill>
+                  <a:schemeClr val="bg1"/>
+                </a:solidFill>
+                <a:latin typeface="Arial" panose="020B0604020202020204" pitchFamily="34" charset="0"/>
+                <a:ea typeface="Nanum Barun Gothic"/>
+              </a:rPr>
+              <a:t>이동하거나 </a:t>
+            </a:r>
+            <a:r>
+              <a:rPr lang="ko-KR" altLang="ko-KR" sz="2000" dirty="0">
+                <a:solidFill>
+                  <a:schemeClr val="bg1"/>
+                </a:solidFill>
+                <a:latin typeface="Arial" panose="020B0604020202020204" pitchFamily="34" charset="0"/>
+                <a:ea typeface="Nanum Barun Gothic"/>
+              </a:rPr>
+              <a:t>축소할 때 </a:t>
+            </a:r>
+            <a:r>
+              <a:rPr lang="en-US" altLang="ko-KR" sz="2000" dirty="0" smtClean="0">
+                <a:solidFill>
+                  <a:schemeClr val="bg1"/>
+                </a:solidFill>
+                <a:latin typeface="Arial" panose="020B0604020202020204" pitchFamily="34" charset="0"/>
+                <a:ea typeface="Nanum Barun Gothic"/>
+              </a:rPr>
+              <a:t/>
+            </a:r>
+            <a:br>
+              <a:rPr lang="en-US" altLang="ko-KR" sz="2000" dirty="0" smtClean="0">
+                <a:solidFill>
+                  <a:schemeClr val="bg1"/>
+                </a:solidFill>
+                <a:latin typeface="Arial" panose="020B0604020202020204" pitchFamily="34" charset="0"/>
+                <a:ea typeface="Nanum Barun Gothic"/>
+              </a:rPr>
+            </a:br>
+            <a:r>
+              <a:rPr lang="ko-KR" altLang="ko-KR" sz="2000" dirty="0" smtClean="0">
+                <a:solidFill>
+                  <a:schemeClr val="bg1"/>
+                </a:solidFill>
+                <a:latin typeface="Arial" panose="020B0604020202020204" pitchFamily="34" charset="0"/>
+                <a:ea typeface="Nanum Barun Gothic"/>
+              </a:rPr>
+              <a:t>생기는 </a:t>
+            </a:r>
+            <a:r>
+              <a:rPr lang="ko-KR" altLang="ko-KR" sz="2000" dirty="0">
+                <a:solidFill>
+                  <a:schemeClr val="bg1"/>
+                </a:solidFill>
+                <a:latin typeface="Arial" panose="020B0604020202020204" pitchFamily="34" charset="0"/>
+                <a:ea typeface="Nanum Barun Gothic"/>
+              </a:rPr>
+              <a:t>공간을 채우는 방식</a:t>
+            </a:r>
+            <a:br>
+              <a:rPr lang="ko-KR" altLang="ko-KR" sz="2000" dirty="0">
+                <a:solidFill>
+                  <a:schemeClr val="bg1"/>
+                </a:solidFill>
+                <a:latin typeface="Arial" panose="020B0604020202020204" pitchFamily="34" charset="0"/>
+                <a:ea typeface="Nanum Barun Gothic"/>
+              </a:rPr>
+            </a:br>
+            <a:r>
+              <a:rPr lang="en-US" altLang="ko-KR" sz="2000" dirty="0" smtClean="0">
+                <a:solidFill>
+                  <a:schemeClr val="bg1"/>
+                </a:solidFill>
+                <a:latin typeface="Arial" panose="020B0604020202020204" pitchFamily="34" charset="0"/>
+                <a:ea typeface="Nanum Barun Gothic"/>
+              </a:rPr>
+              <a:t/>
+            </a:r>
+            <a:br>
+              <a:rPr lang="en-US" altLang="ko-KR" sz="2000" dirty="0" smtClean="0">
+                <a:solidFill>
+                  <a:schemeClr val="bg1"/>
+                </a:solidFill>
+                <a:latin typeface="Arial" panose="020B0604020202020204" pitchFamily="34" charset="0"/>
+                <a:ea typeface="Nanum Barun Gothic"/>
+              </a:rPr>
+            </a:br>
+            <a:r>
+              <a:rPr lang="en-US" altLang="ko-KR" sz="2000" dirty="0">
+                <a:solidFill>
+                  <a:schemeClr val="bg1"/>
+                </a:solidFill>
+                <a:latin typeface="Arial" panose="020B0604020202020204" pitchFamily="34" charset="0"/>
+                <a:ea typeface="Nanum Barun Gothic"/>
+              </a:rPr>
+              <a:t/>
+            </a:r>
+            <a:br>
+              <a:rPr lang="en-US" altLang="ko-KR" sz="2000" dirty="0">
+                <a:solidFill>
+                  <a:schemeClr val="bg1"/>
+                </a:solidFill>
+                <a:latin typeface="Arial" panose="020B0604020202020204" pitchFamily="34" charset="0"/>
+                <a:ea typeface="Nanum Barun Gothic"/>
+              </a:rPr>
+            </a:br>
+            <a:r>
+              <a:rPr lang="en-US" altLang="ko-KR" sz="2000" dirty="0" smtClean="0">
+                <a:solidFill>
+                  <a:schemeClr val="bg1"/>
+                </a:solidFill>
+                <a:latin typeface="Arial" panose="020B0604020202020204" pitchFamily="34" charset="0"/>
+                <a:ea typeface="Nanum Barun Gothic"/>
+              </a:rPr>
+              <a:t/>
+            </a:r>
+            <a:br>
+              <a:rPr lang="en-US" altLang="ko-KR" sz="2000" dirty="0" smtClean="0">
+                <a:solidFill>
+                  <a:schemeClr val="bg1"/>
+                </a:solidFill>
+                <a:latin typeface="Arial" panose="020B0604020202020204" pitchFamily="34" charset="0"/>
+                <a:ea typeface="Nanum Barun Gothic"/>
+              </a:rPr>
+            </a:br>
+            <a:r>
+              <a:rPr lang="en-US" altLang="ko-KR" sz="2000" dirty="0">
+                <a:solidFill>
+                  <a:schemeClr val="bg1"/>
+                </a:solidFill>
+                <a:latin typeface="Arial" panose="020B0604020202020204" pitchFamily="34" charset="0"/>
+                <a:ea typeface="Nanum Barun Gothic"/>
+              </a:rPr>
+              <a:t/>
+            </a:r>
+            <a:br>
+              <a:rPr lang="en-US" altLang="ko-KR" sz="2000" dirty="0">
+                <a:solidFill>
+                  <a:schemeClr val="bg1"/>
+                </a:solidFill>
+                <a:latin typeface="Arial" panose="020B0604020202020204" pitchFamily="34" charset="0"/>
+                <a:ea typeface="Nanum Barun Gothic"/>
+              </a:rPr>
+            </a:br>
+            <a:r>
+              <a:rPr lang="en-US" altLang="ko-KR" sz="2000" dirty="0" smtClean="0">
+                <a:solidFill>
+                  <a:schemeClr val="bg1"/>
+                </a:solidFill>
+                <a:latin typeface="Arial" panose="020B0604020202020204" pitchFamily="34" charset="0"/>
+                <a:ea typeface="Nanum Barun Gothic"/>
+              </a:rPr>
+              <a:t/>
+            </a:r>
+            <a:br>
+              <a:rPr lang="en-US" altLang="ko-KR" sz="2000" dirty="0" smtClean="0">
+                <a:solidFill>
+                  <a:schemeClr val="bg1"/>
+                </a:solidFill>
+                <a:latin typeface="Arial" panose="020B0604020202020204" pitchFamily="34" charset="0"/>
+                <a:ea typeface="Nanum Barun Gothic"/>
+              </a:rPr>
+            </a:br>
+            <a:r>
+              <a:rPr lang="en-US" altLang="ko-KR" sz="2000" dirty="0">
+                <a:solidFill>
+                  <a:schemeClr val="bg1"/>
+                </a:solidFill>
+                <a:latin typeface="Arial" panose="020B0604020202020204" pitchFamily="34" charset="0"/>
+                <a:ea typeface="Nanum Barun Gothic"/>
+              </a:rPr>
+              <a:t/>
+            </a:r>
+            <a:br>
+              <a:rPr lang="en-US" altLang="ko-KR" sz="2000" dirty="0">
+                <a:solidFill>
+                  <a:schemeClr val="bg1"/>
+                </a:solidFill>
+                <a:latin typeface="Arial" panose="020B0604020202020204" pitchFamily="34" charset="0"/>
+                <a:ea typeface="Nanum Barun Gothic"/>
+              </a:rPr>
+            </a:br>
+            <a:r>
+              <a:rPr lang="en-US" altLang="ko-KR" sz="2000" dirty="0" smtClean="0">
+                <a:solidFill>
+                  <a:schemeClr val="bg1"/>
+                </a:solidFill>
+                <a:latin typeface="Arial" panose="020B0604020202020204" pitchFamily="34" charset="0"/>
+                <a:ea typeface="Nanum Barun Gothic"/>
+              </a:rPr>
+              <a:t/>
+            </a:r>
+            <a:br>
+              <a:rPr lang="en-US" altLang="ko-KR" sz="2000" dirty="0" smtClean="0">
+                <a:solidFill>
+                  <a:schemeClr val="bg1"/>
+                </a:solidFill>
+                <a:latin typeface="Arial" panose="020B0604020202020204" pitchFamily="34" charset="0"/>
+                <a:ea typeface="Nanum Barun Gothic"/>
+              </a:rPr>
+            </a:br>
+            <a:r>
+              <a:rPr lang="en-US" altLang="ko-KR" sz="2000" dirty="0">
+                <a:solidFill>
+                  <a:schemeClr val="bg1"/>
+                </a:solidFill>
+                <a:latin typeface="Arial" panose="020B0604020202020204" pitchFamily="34" charset="0"/>
+                <a:ea typeface="Nanum Barun Gothic"/>
+              </a:rPr>
+              <a:t/>
+            </a:r>
+            <a:br>
+              <a:rPr lang="en-US" altLang="ko-KR" sz="2000" dirty="0">
+                <a:solidFill>
+                  <a:schemeClr val="bg1"/>
+                </a:solidFill>
+                <a:latin typeface="Arial" panose="020B0604020202020204" pitchFamily="34" charset="0"/>
+                <a:ea typeface="Nanum Barun Gothic"/>
+              </a:rPr>
+            </a:br>
+            <a:r>
+              <a:rPr lang="en-US" altLang="ko-KR" sz="2000" dirty="0" smtClean="0">
+                <a:solidFill>
+                  <a:schemeClr val="bg1"/>
+                </a:solidFill>
+                <a:latin typeface="Arial" panose="020B0604020202020204" pitchFamily="34" charset="0"/>
+                <a:ea typeface="Nanum Barun Gothic"/>
+              </a:rPr>
+              <a:t/>
+            </a:r>
+            <a:br>
+              <a:rPr lang="en-US" altLang="ko-KR" sz="2000" dirty="0" smtClean="0">
+                <a:solidFill>
+                  <a:schemeClr val="bg1"/>
+                </a:solidFill>
+                <a:latin typeface="Arial" panose="020B0604020202020204" pitchFamily="34" charset="0"/>
+                <a:ea typeface="Nanum Barun Gothic"/>
+              </a:rPr>
+            </a:br>
+            <a:r>
+              <a:rPr lang="en-US" altLang="ko-KR" sz="2000" dirty="0">
+                <a:solidFill>
+                  <a:schemeClr val="bg1"/>
+                </a:solidFill>
+                <a:latin typeface="Arial" panose="020B0604020202020204" pitchFamily="34" charset="0"/>
+                <a:ea typeface="Nanum Barun Gothic"/>
+              </a:rPr>
+              <a:t/>
+            </a:r>
+            <a:br>
+              <a:rPr lang="en-US" altLang="ko-KR" sz="2000" dirty="0">
+                <a:solidFill>
+                  <a:schemeClr val="bg1"/>
+                </a:solidFill>
+                <a:latin typeface="Arial" panose="020B0604020202020204" pitchFamily="34" charset="0"/>
+                <a:ea typeface="Nanum Barun Gothic"/>
+              </a:rPr>
+            </a:br>
+            <a:r>
+              <a:rPr lang="en-US" altLang="ko-KR" sz="2000" dirty="0" smtClean="0">
+                <a:solidFill>
+                  <a:schemeClr val="bg1"/>
+                </a:solidFill>
+                <a:latin typeface="Arial" panose="020B0604020202020204" pitchFamily="34" charset="0"/>
+                <a:ea typeface="Nanum Barun Gothic"/>
+              </a:rPr>
+              <a:t/>
+            </a:r>
+            <a:br>
+              <a:rPr lang="en-US" altLang="ko-KR" sz="2000" dirty="0" smtClean="0">
+                <a:solidFill>
+                  <a:schemeClr val="bg1"/>
+                </a:solidFill>
+                <a:latin typeface="Arial" panose="020B0604020202020204" pitchFamily="34" charset="0"/>
+                <a:ea typeface="Nanum Barun Gothic"/>
+              </a:rPr>
+            </a:br>
+            <a:r>
+              <a:rPr lang="en-US" altLang="ko-KR" sz="2000" dirty="0">
+                <a:solidFill>
+                  <a:schemeClr val="bg1"/>
+                </a:solidFill>
+                <a:latin typeface="Arial" panose="020B0604020202020204" pitchFamily="34" charset="0"/>
+                <a:ea typeface="Nanum Barun Gothic"/>
+              </a:rPr>
+              <a:t/>
+            </a:r>
+            <a:br>
+              <a:rPr lang="en-US" altLang="ko-KR" sz="2000" dirty="0">
+                <a:solidFill>
+                  <a:schemeClr val="bg1"/>
+                </a:solidFill>
+                <a:latin typeface="Arial" panose="020B0604020202020204" pitchFamily="34" charset="0"/>
+                <a:ea typeface="Nanum Barun Gothic"/>
+              </a:rPr>
+            </a:br>
+            <a:r>
+              <a:rPr lang="en-US" altLang="ko-KR" sz="2000" dirty="0" smtClean="0">
+                <a:solidFill>
+                  <a:schemeClr val="bg1"/>
+                </a:solidFill>
+                <a:latin typeface="Arial" panose="020B0604020202020204" pitchFamily="34" charset="0"/>
+                <a:ea typeface="Nanum Barun Gothic"/>
+              </a:rPr>
+              <a:t/>
+            </a:r>
+            <a:br>
+              <a:rPr lang="en-US" altLang="ko-KR" sz="2000" dirty="0" smtClean="0">
+                <a:solidFill>
+                  <a:schemeClr val="bg1"/>
+                </a:solidFill>
+                <a:latin typeface="Arial" panose="020B0604020202020204" pitchFamily="34" charset="0"/>
+                <a:ea typeface="Nanum Barun Gothic"/>
+              </a:rPr>
+            </a:br>
+            <a:endParaRPr lang="ko-KR" altLang="en-US" sz="2000" dirty="0">
+              <a:solidFill>
+                <a:schemeClr val="bg1"/>
+              </a:solidFill>
+            </a:endParaRPr>
+          </a:p>
+        </p:txBody>
+      </p:sp>
+      <p:sp>
+        <p:nvSpPr>
+          <p:cNvPr id="6" name="슬라이드 번호 개체 틀 5">
+            <a:extLst>
+              <a:ext uri="{FF2B5EF4-FFF2-40B4-BE49-F238E27FC236}">
+                <a16:creationId xmlns:a16="http://schemas.microsoft.com/office/drawing/2014/main" id="{0D969F13-F0F9-40BB-9F73-11A02D508AEA}"/>
+              </a:ext>
+            </a:extLst>
+          </p:cNvPr>
+          <p:cNvSpPr>
+            <a:spLocks noGrp="1"/>
+          </p:cNvSpPr>
+          <p:nvPr>
+            <p:ph type="sldNum" sz="quarter" idx="12"/>
+          </p:nvPr>
+        </p:nvSpPr>
+        <p:spPr/>
+        <p:txBody>
+          <a:bodyPr/>
+          <a:lstStyle/>
+          <a:p>
+            <a:fld id="{AB81654A-47D9-40E7-9E30-F89685321D9F}" type="slidenum">
+              <a:rPr lang="ko-KR" altLang="en-US" sz="1600" smtClean="0">
+                <a:solidFill>
+                  <a:schemeClr val="bg1"/>
+                </a:solidFill>
+              </a:rPr>
+              <a:t>11</a:t>
+            </a:fld>
+            <a:endParaRPr lang="ko-KR" altLang="en-US" sz="1600" dirty="0">
+              <a:solidFill>
+                <a:schemeClr val="bg1"/>
+              </a:solidFill>
+            </a:endParaRPr>
+          </a:p>
+        </p:txBody>
+      </p:sp>
+      <p:pic>
+        <p:nvPicPr>
+          <p:cNvPr id="5" name="내용 개체 틀 4"/>
+          <p:cNvPicPr>
+            <a:picLocks noGrp="1" noChangeAspect="1"/>
+          </p:cNvPicPr>
+          <p:nvPr>
+            <p:ph idx="1"/>
+          </p:nvPr>
+        </p:nvPicPr>
+        <p:blipFill>
+          <a:blip r:embed="rId3"/>
+          <a:stretch>
+            <a:fillRect/>
+          </a:stretch>
+        </p:blipFill>
+        <p:spPr>
+          <a:xfrm>
+            <a:off x="5974312" y="478454"/>
+            <a:ext cx="1930028" cy="5857940"/>
+          </a:xfrm>
+          <a:prstGeom prst="rect">
+            <a:avLst/>
+          </a:prstGeom>
+        </p:spPr>
+      </p:pic>
+      <p:sp>
+        <p:nvSpPr>
+          <p:cNvPr id="2" name="TextBox 1"/>
+          <p:cNvSpPr txBox="1"/>
+          <p:nvPr/>
+        </p:nvSpPr>
+        <p:spPr>
+          <a:xfrm>
+            <a:off x="838199" y="2569562"/>
+            <a:ext cx="3996829" cy="3754874"/>
+          </a:xfrm>
+          <a:prstGeom prst="rect">
+            <a:avLst/>
+          </a:prstGeom>
+          <a:noFill/>
+        </p:spPr>
+        <p:txBody>
+          <a:bodyPr wrap="square" rtlCol="0">
+            <a:spAutoFit/>
+          </a:bodyPr>
+          <a:lstStyle/>
+          <a:p>
+            <a:r>
+              <a:rPr lang="en-US" altLang="ko-KR" sz="2200" b="1" dirty="0" smtClean="0">
+                <a:solidFill>
+                  <a:schemeClr val="bg1"/>
+                </a:solidFill>
+              </a:rPr>
+              <a:t>'constant‘</a:t>
+            </a:r>
+            <a:r>
+              <a:rPr lang="en-US" altLang="ko-KR" sz="2400" b="1" dirty="0">
+                <a:solidFill>
+                  <a:schemeClr val="bg1"/>
+                </a:solidFill>
+              </a:rPr>
+              <a:t>(</a:t>
+            </a:r>
+            <a:r>
+              <a:rPr lang="en-US" altLang="ko-KR" sz="2400" b="1" dirty="0" smtClean="0">
+                <a:solidFill>
+                  <a:schemeClr val="bg1"/>
+                </a:solidFill>
+              </a:rPr>
+              <a:t>c_val=k)</a:t>
+            </a:r>
+            <a:endParaRPr lang="en-US" altLang="ko-KR" sz="2200" b="1" dirty="0" smtClean="0">
+              <a:solidFill>
+                <a:schemeClr val="bg1"/>
+              </a:solidFill>
+            </a:endParaRPr>
+          </a:p>
+          <a:p>
+            <a:r>
+              <a:rPr lang="en-US" altLang="ko-KR" dirty="0" smtClean="0">
+                <a:solidFill>
+                  <a:schemeClr val="bg1"/>
+                </a:solidFill>
+              </a:rPr>
+              <a:t>kkkkkkkk|abcd|kkkkkkkk</a:t>
+            </a:r>
+          </a:p>
+          <a:p>
+            <a:endParaRPr lang="en-US" altLang="ko-KR" sz="2200" b="1" dirty="0" smtClean="0">
+              <a:solidFill>
+                <a:schemeClr val="bg1"/>
+              </a:solidFill>
+            </a:endParaRPr>
+          </a:p>
+          <a:p>
+            <a:r>
+              <a:rPr lang="en-US" altLang="ko-KR" sz="2200" b="1" dirty="0" smtClean="0">
+                <a:solidFill>
+                  <a:schemeClr val="bg1"/>
+                </a:solidFill>
+              </a:rPr>
+              <a:t>'nearest‘(default)</a:t>
+            </a:r>
+          </a:p>
+          <a:p>
+            <a:r>
+              <a:rPr lang="en-US" altLang="ko-KR" dirty="0" smtClean="0">
+                <a:solidFill>
+                  <a:schemeClr val="bg1"/>
+                </a:solidFill>
+              </a:rPr>
+              <a:t>aaaaaaaa|abcd|dddddddd</a:t>
+            </a:r>
+          </a:p>
+          <a:p>
+            <a:endParaRPr lang="en-US" altLang="ko-KR" dirty="0">
+              <a:solidFill>
+                <a:schemeClr val="bg1"/>
+              </a:solidFill>
+            </a:endParaRPr>
+          </a:p>
+          <a:p>
+            <a:r>
+              <a:rPr lang="en-US" altLang="ko-KR" sz="2200" b="1" dirty="0" smtClean="0">
+                <a:solidFill>
+                  <a:schemeClr val="bg1"/>
+                </a:solidFill>
+              </a:rPr>
+              <a:t>'reflect‘</a:t>
+            </a:r>
+          </a:p>
+          <a:p>
+            <a:r>
+              <a:rPr lang="en-US" altLang="ko-KR" dirty="0" smtClean="0">
+                <a:solidFill>
+                  <a:schemeClr val="bg1"/>
+                </a:solidFill>
+              </a:rPr>
+              <a:t>abcddcba|abcd|dcbaabcd</a:t>
+            </a:r>
+          </a:p>
+          <a:p>
+            <a:endParaRPr lang="en-US" altLang="ko-KR" dirty="0">
+              <a:solidFill>
+                <a:schemeClr val="bg1"/>
+              </a:solidFill>
+            </a:endParaRPr>
+          </a:p>
+          <a:p>
+            <a:r>
+              <a:rPr lang="en-US" altLang="ko-KR" sz="2200" b="1" dirty="0" smtClean="0">
+                <a:solidFill>
+                  <a:schemeClr val="bg1"/>
+                </a:solidFill>
+              </a:rPr>
+              <a:t>'wrap‘</a:t>
+            </a:r>
+          </a:p>
+          <a:p>
+            <a:r>
+              <a:rPr lang="en-US" altLang="ko-KR" dirty="0" smtClean="0">
+                <a:solidFill>
+                  <a:schemeClr val="bg1"/>
+                </a:solidFill>
+              </a:rPr>
+              <a:t>abcdabcd|abcd|abcdabcd</a:t>
+            </a:r>
+            <a:endParaRPr lang="en-US" altLang="ko-KR" dirty="0">
+              <a:solidFill>
+                <a:schemeClr val="bg1"/>
+              </a:solidFill>
+            </a:endParaRPr>
+          </a:p>
+          <a:p>
+            <a:endParaRPr lang="ko-KR" altLang="en-US" dirty="0">
+              <a:solidFill>
+                <a:schemeClr val="bg1"/>
+              </a:solidFill>
+            </a:endParaRPr>
+          </a:p>
+        </p:txBody>
+      </p:sp>
+      <p:pic>
+        <p:nvPicPr>
+          <p:cNvPr id="8" name="그림 7"/>
+          <p:cNvPicPr>
+            <a:picLocks noChangeAspect="1"/>
+          </p:cNvPicPr>
+          <p:nvPr/>
+        </p:nvPicPr>
+        <p:blipFill>
+          <a:blip r:embed="rId4"/>
+          <a:stretch>
+            <a:fillRect/>
+          </a:stretch>
+        </p:blipFill>
+        <p:spPr>
+          <a:xfrm>
+            <a:off x="4249680" y="478273"/>
+            <a:ext cx="1788604" cy="5858304"/>
+          </a:xfrm>
+          <a:prstGeom prst="rect">
+            <a:avLst/>
+          </a:prstGeom>
+        </p:spPr>
+      </p:pic>
+      <p:pic>
+        <p:nvPicPr>
+          <p:cNvPr id="9" name="그림 8"/>
+          <p:cNvPicPr>
+            <a:picLocks noChangeAspect="1"/>
+          </p:cNvPicPr>
+          <p:nvPr/>
+        </p:nvPicPr>
+        <p:blipFill>
+          <a:blip r:embed="rId5"/>
+          <a:stretch>
+            <a:fillRect/>
+          </a:stretch>
+        </p:blipFill>
+        <p:spPr>
+          <a:xfrm>
+            <a:off x="7782641" y="478272"/>
+            <a:ext cx="1803518" cy="5865590"/>
+          </a:xfrm>
+          <a:prstGeom prst="rect">
+            <a:avLst/>
+          </a:prstGeom>
+        </p:spPr>
+      </p:pic>
+      <p:pic>
+        <p:nvPicPr>
+          <p:cNvPr id="10" name="그림 9"/>
+          <p:cNvPicPr>
+            <a:picLocks noChangeAspect="1"/>
+          </p:cNvPicPr>
+          <p:nvPr/>
+        </p:nvPicPr>
+        <p:blipFill>
+          <a:blip r:embed="rId6"/>
+          <a:stretch>
+            <a:fillRect/>
+          </a:stretch>
+        </p:blipFill>
+        <p:spPr>
+          <a:xfrm>
+            <a:off x="9557270" y="478453"/>
+            <a:ext cx="1796529" cy="5857940"/>
+          </a:xfrm>
+          <a:prstGeom prst="rect">
+            <a:avLst/>
+          </a:prstGeom>
+        </p:spPr>
+      </p:pic>
+    </p:spTree>
+    <p:extLst>
+      <p:ext uri="{BB962C8B-B14F-4D97-AF65-F5344CB8AC3E}">
+        <p14:creationId xmlns:p14="http://schemas.microsoft.com/office/powerpoint/2010/main" val="1219657031"/>
+      </p:ext>
+    </p:extLst>
+  </p:cSld>
+  <p:clrMapOvr>
+    <a:masterClrMapping/>
+  </p:clrMapOvr>
+  <p:timing>
+    <p:tnLst>
+      <p:par>
+        <p:cTn id="1" dur="indefinite" restart="never" nodeType="tmRoot"/>
+      </p:par>
+    </p:tnLst>
+  </p:timing>
+</p:sld>
+</file>
+
+<file path=ppt/slides/slide12.xml><?xml version="1.0" encoding="utf-8"?>
+<p:sld xmlns:a="http://schemas.openxmlformats.org/drawingml/2006/main" xmlns:r="http://schemas.openxmlformats.org/officeDocument/2006/relationships" xmlns:p="http://schemas.openxmlformats.org/presentationml/2006/main">
+  <p:cSld>
+    <p:spTree>
+      <p:nvGrpSpPr>
+        <p:cNvPr id="1" name=""/>
+        <p:cNvGrpSpPr/>
+        <p:nvPr/>
+      </p:nvGrpSpPr>
+      <p:grpSpPr>
+        <a:xfrm>
+          <a:off x="0" y="0"/>
+          <a:ext cx="0" cy="0"/>
+          <a:chOff x="0" y="0"/>
+          <a:chExt cx="0" cy="0"/>
+        </a:xfrm>
+      </p:grpSpPr>
+      <p:pic>
+        <p:nvPicPr>
+          <p:cNvPr id="7" name="그림 6"/>
+          <p:cNvPicPr>
+            <a:picLocks noChangeAspect="1"/>
+          </p:cNvPicPr>
+          <p:nvPr/>
+        </p:nvPicPr>
+        <p:blipFill>
+          <a:blip r:embed="rId2"/>
+          <a:stretch>
+            <a:fillRect/>
+          </a:stretch>
+        </p:blipFill>
+        <p:spPr>
+          <a:xfrm>
+            <a:off x="2640283" y="0"/>
+            <a:ext cx="6911433" cy="6870488"/>
+          </a:xfrm>
+          <a:prstGeom prst="rect">
+            <a:avLst/>
+          </a:prstGeom>
+        </p:spPr>
+      </p:pic>
+      <p:sp>
+        <p:nvSpPr>
+          <p:cNvPr id="4" name="직사각형 3">
+            <a:extLst>
+              <a:ext uri="{FF2B5EF4-FFF2-40B4-BE49-F238E27FC236}">
+                <a16:creationId xmlns:a16="http://schemas.microsoft.com/office/drawing/2014/main" id="{BF0A348F-BA38-45F0-AF92-9E2C422A1DF6}"/>
+              </a:ext>
+            </a:extLst>
+          </p:cNvPr>
+          <p:cNvSpPr/>
+          <p:nvPr/>
+        </p:nvSpPr>
+        <p:spPr>
+          <a:xfrm>
+            <a:off x="-1" y="0"/>
+            <a:ext cx="12192000" cy="6858000"/>
+          </a:xfrm>
+          <a:prstGeom prst="rect">
+            <a:avLst/>
+          </a:prstGeom>
+          <a:solidFill>
+            <a:schemeClr val="tx1">
+              <a:alpha val="80000"/>
+            </a:schemeClr>
+          </a:solidFill>
+        </p:spPr>
+        <p:style>
+          <a:lnRef idx="2">
+            <a:schemeClr val="accent1">
+              <a:shade val="50000"/>
+            </a:schemeClr>
+          </a:lnRef>
+          <a:fillRef idx="1">
+            <a:schemeClr val="accent1"/>
+          </a:fillRef>
+          <a:effectRef idx="0">
+            <a:schemeClr val="accent1"/>
+          </a:effectRef>
+          <a:fontRef idx="minor">
+            <a:schemeClr val="lt1"/>
+          </a:fontRef>
+        </p:style>
+        <p:txBody>
+          <a:bodyPr rtlCol="0" anchor="ctr"/>
+          <a:lstStyle/>
+          <a:p>
+            <a:pPr algn="ctr"/>
+            <a:endParaRPr lang="ko-KR" altLang="en-US" dirty="0"/>
+          </a:p>
+        </p:txBody>
+      </p:sp>
+      <p:sp>
+        <p:nvSpPr>
+          <p:cNvPr id="6" name="슬라이드 번호 개체 틀 5">
+            <a:extLst>
+              <a:ext uri="{FF2B5EF4-FFF2-40B4-BE49-F238E27FC236}">
+                <a16:creationId xmlns:a16="http://schemas.microsoft.com/office/drawing/2014/main" id="{0D969F13-F0F9-40BB-9F73-11A02D508AEA}"/>
+              </a:ext>
+            </a:extLst>
+          </p:cNvPr>
+          <p:cNvSpPr>
+            <a:spLocks noGrp="1"/>
+          </p:cNvSpPr>
+          <p:nvPr>
+            <p:ph type="sldNum" sz="quarter" idx="12"/>
+          </p:nvPr>
+        </p:nvSpPr>
+        <p:spPr/>
+        <p:txBody>
+          <a:bodyPr/>
+          <a:lstStyle/>
+          <a:p>
+            <a:fld id="{AB81654A-47D9-40E7-9E30-F89685321D9F}" type="slidenum">
+              <a:rPr lang="ko-KR" altLang="en-US" sz="1600" smtClean="0">
+                <a:solidFill>
+                  <a:schemeClr val="bg1"/>
+                </a:solidFill>
+              </a:rPr>
+              <a:t>12</a:t>
+            </a:fld>
+            <a:endParaRPr lang="ko-KR" altLang="en-US" sz="1600" dirty="0">
+              <a:solidFill>
+                <a:schemeClr val="bg1"/>
+              </a:solidFill>
+            </a:endParaRPr>
+          </a:p>
+        </p:txBody>
+      </p:sp>
+      <p:sp>
+        <p:nvSpPr>
+          <p:cNvPr id="3" name="제목 2"/>
+          <p:cNvSpPr>
+            <a:spLocks noGrp="1"/>
+          </p:cNvSpPr>
+          <p:nvPr>
+            <p:ph type="title"/>
+          </p:nvPr>
+        </p:nvSpPr>
+        <p:spPr>
+          <a:xfrm>
+            <a:off x="838200" y="365125"/>
+            <a:ext cx="10515600" cy="5991225"/>
+          </a:xfrm>
+        </p:spPr>
+        <p:txBody>
+          <a:bodyPr/>
+          <a:lstStyle/>
+          <a:p>
+            <a:pPr algn="ctr"/>
+            <a:r>
+              <a:rPr lang="en-US" altLang="ko-KR" dirty="0" smtClean="0">
+                <a:solidFill>
+                  <a:schemeClr val="bg1"/>
+                </a:solidFill>
+              </a:rPr>
+              <a:t>-</a:t>
+            </a:r>
+            <a:r>
+              <a:rPr lang="ko-KR" altLang="en-US" dirty="0">
+                <a:solidFill>
+                  <a:schemeClr val="bg1"/>
+                </a:solidFill>
+              </a:rPr>
+              <a:t>끝</a:t>
+            </a:r>
+            <a:r>
+              <a:rPr lang="en-US" altLang="ko-KR" dirty="0" smtClean="0">
+                <a:solidFill>
+                  <a:schemeClr val="bg1"/>
+                </a:solidFill>
+              </a:rPr>
+              <a:t>-</a:t>
+            </a:r>
+            <a:endParaRPr lang="ko-KR" altLang="en-US" dirty="0">
+              <a:solidFill>
+                <a:schemeClr val="bg1"/>
+              </a:solidFill>
+            </a:endParaRPr>
+          </a:p>
+        </p:txBody>
+      </p:sp>
+    </p:spTree>
+    <p:extLst>
+      <p:ext uri="{BB962C8B-B14F-4D97-AF65-F5344CB8AC3E}">
+        <p14:creationId xmlns:p14="http://schemas.microsoft.com/office/powerpoint/2010/main" val="4282738639"/>
+      </p:ext>
+    </p:extLst>
+  </p:cSld>
+  <p:clrMapOvr>
+    <a:masterClrMapping/>
+  </p:clrMapOvr>
+  <p:timing>
+    <p:tnLst>
+      <p:par>
+        <p:cTn id="1" dur="indefinite" restart="never" nodeType="tmRoot"/>
+      </p:par>
+    </p:tnLst>
+  </p:timing>
+</p:sld>
+</file>
+
 <file path=ppt/slides/slide2.xml><?xml version="1.0" encoding="utf-8"?>
 <p:sld xmlns:a="http://schemas.openxmlformats.org/drawingml/2006/main" xmlns:r="http://schemas.openxmlformats.org/officeDocument/2006/relationships" xmlns:p="http://schemas.openxmlformats.org/presentationml/2006/main">
   <p:cSld>
@@ -4454,8 +5874,8 @@
         </p:nvSpPr>
         <p:spPr bwMode="auto">
           <a:xfrm>
-            <a:off x="838200" y="3465916"/>
-            <a:ext cx="10515600" cy="2508379"/>
+            <a:off x="838200" y="3335111"/>
+            <a:ext cx="10515600" cy="2769989"/>
           </a:xfrm>
           <a:prstGeom prst="rect">
             <a:avLst/>
@@ -4491,7 +5911,7 @@
               <a:buNone/>
               <a:tabLst/>
             </a:pPr>
-            <a:endParaRPr kumimoji="0" lang="ko-KR" altLang="ko-KR" sz="1800" b="0" i="0" u="none" strike="noStrike" cap="none" normalizeH="0" baseline="0" dirty="0" smtClean="0">
+            <a:endParaRPr kumimoji="0" lang="ko-KR" altLang="ko-KR" sz="1500" b="0" i="0" u="none" strike="noStrike" cap="none" normalizeH="0" baseline="0" dirty="0" smtClean="0">
               <a:ln>
                 <a:noFill/>
               </a:ln>
@@ -4520,7 +5940,7 @@
               <a:tabLst/>
             </a:pPr>
             <a:r>
-              <a:rPr kumimoji="0" lang="ko-KR" altLang="ko-KR" sz="1100" b="0" i="0" u="none" strike="noStrike" cap="none" normalizeH="0" baseline="0" dirty="0" smtClean="0">
+              <a:rPr kumimoji="0" lang="ko-KR" altLang="ko-KR" sz="1500" b="0" i="0" u="none" strike="noStrike" cap="none" normalizeH="0" baseline="0" dirty="0" smtClean="0">
                 <a:ln>
                   <a:noFill/>
                 </a:ln>
@@ -4534,7 +5954,7 @@
               <a:t>rotation_range</a:t>
             </a:r>
             <a:r>
-              <a:rPr kumimoji="0" lang="en-US" altLang="ko-KR" sz="1100" b="0" i="0" u="none" strike="noStrike" cap="none" normalizeH="0" baseline="0" dirty="0" smtClean="0">
+              <a:rPr kumimoji="0" lang="en-US" altLang="ko-KR" sz="1500" b="0" i="0" u="none" strike="noStrike" cap="none" normalizeH="0" baseline="0" dirty="0" smtClean="0">
                 <a:ln>
                   <a:noFill/>
                 </a:ln>
@@ -4548,7 +5968,7 @@
               <a:t> </a:t>
             </a:r>
             <a:r>
-              <a:rPr kumimoji="0" lang="ko-KR" altLang="ko-KR" sz="1300" b="0" i="0" u="none" strike="noStrike" cap="none" normalizeH="0" baseline="0" dirty="0" smtClean="0">
+              <a:rPr kumimoji="0" lang="ko-KR" altLang="ko-KR" sz="1500" b="0" i="0" u="none" strike="noStrike" cap="none" normalizeH="0" baseline="0" dirty="0" smtClean="0">
                 <a:ln>
                   <a:noFill/>
                 </a:ln>
@@ -4561,7 +5981,7 @@
               <a:t>: 이미지 회전 범위</a:t>
             </a:r>
             <a:r>
-              <a:rPr kumimoji="0" lang="en-US" altLang="ko-KR" sz="1300" b="0" i="0" u="none" strike="noStrike" cap="none" normalizeH="0" baseline="0" dirty="0" smtClean="0">
+              <a:rPr kumimoji="0" lang="en-US" altLang="ko-KR" sz="1500" b="0" i="0" u="none" strike="noStrike" cap="none" normalizeH="0" baseline="0" dirty="0" smtClean="0">
                 <a:ln>
                   <a:noFill/>
                 </a:ln>
@@ -4571,8 +5991,31 @@
                 <a:effectLst/>
                 <a:ea typeface="Nanum Barun Gothic"/>
               </a:rPr>
-              <a:t> (degrees)</a:t>
-            </a:r>
+              <a:t> (degrees</a:t>
+            </a:r>
+            <a:r>
+              <a:rPr kumimoji="0" lang="en-US" altLang="ko-KR" sz="1500" b="0" i="0" u="none" strike="noStrike" cap="none" normalizeH="0" baseline="0" dirty="0" smtClean="0">
+                <a:ln>
+                  <a:noFill/>
+                </a:ln>
+                <a:solidFill>
+                  <a:schemeClr val="bg1"/>
+                </a:solidFill>
+                <a:effectLst/>
+                <a:ea typeface="Nanum Barun Gothic"/>
+              </a:rPr>
+              <a:t>)</a:t>
+            </a:r>
+            <a:endParaRPr kumimoji="0" lang="en-US" altLang="ko-KR" sz="1500" b="0" i="0" u="none" strike="noStrike" cap="none" normalizeH="0" baseline="0" dirty="0" smtClean="0">
+              <a:ln>
+                <a:noFill/>
+              </a:ln>
+              <a:solidFill>
+                <a:schemeClr val="bg1"/>
+              </a:solidFill>
+              <a:effectLst/>
+              <a:ea typeface="Nanum Barun Gothic"/>
+            </a:endParaRPr>
           </a:p>
           <a:p>
             <a:pPr marL="0" marR="0" lvl="0" indent="0" algn="l" defTabSz="914400" rtl="0" eaLnBrk="0" fontAlgn="base" latinLnBrk="0" hangingPunct="0">
@@ -4592,7 +6035,7 @@
               <a:tabLst/>
             </a:pPr>
             <a:r>
-              <a:rPr kumimoji="0" lang="ko-KR" altLang="ko-KR" sz="1100" b="0" i="0" u="none" strike="noStrike" cap="none" normalizeH="0" baseline="0" dirty="0" smtClean="0">
+              <a:rPr kumimoji="0" lang="ko-KR" altLang="ko-KR" sz="1500" b="0" i="0" u="none" strike="noStrike" cap="none" normalizeH="0" baseline="0" dirty="0" smtClean="0">
                 <a:ln>
                   <a:noFill/>
                 </a:ln>
@@ -4606,7 +6049,7 @@
               <a:t>width_shift</a:t>
             </a:r>
             <a:r>
-              <a:rPr kumimoji="0" lang="ko-KR" altLang="ko-KR" sz="1300" b="0" i="0" u="none" strike="noStrike" cap="none" normalizeH="0" baseline="0" dirty="0" smtClean="0">
+              <a:rPr kumimoji="0" lang="ko-KR" altLang="ko-KR" sz="1500" b="0" i="0" u="none" strike="noStrike" cap="none" normalizeH="0" baseline="0" dirty="0" smtClean="0">
                 <a:ln>
                   <a:noFill/>
                 </a:ln>
@@ -4619,7 +6062,7 @@
               <a:t>,</a:t>
             </a:r>
             <a:r>
-              <a:rPr kumimoji="0" lang="ko-KR" altLang="ko-KR" sz="1300" b="0" i="0" u="none" strike="noStrike" cap="none" normalizeH="0" baseline="0" dirty="0" smtClean="0">
+              <a:rPr kumimoji="0" lang="ko-KR" altLang="ko-KR" sz="1500" b="0" i="0" u="none" strike="noStrike" cap="none" normalizeH="0" baseline="0" dirty="0" smtClean="0">
                 <a:ln>
                   <a:noFill/>
                 </a:ln>
@@ -4633,7 +6076,7 @@
               <a:t> </a:t>
             </a:r>
             <a:r>
-              <a:rPr kumimoji="0" lang="ko-KR" altLang="ko-KR" sz="1100" b="0" i="0" u="none" strike="noStrike" cap="none" normalizeH="0" baseline="0" dirty="0" smtClean="0">
+              <a:rPr kumimoji="0" lang="ko-KR" altLang="ko-KR" sz="1500" b="0" i="0" u="none" strike="noStrike" cap="none" normalizeH="0" baseline="0" dirty="0" smtClean="0">
                 <a:ln>
                   <a:noFill/>
                 </a:ln>
@@ -4647,7 +6090,7 @@
               <a:t>height_shift</a:t>
             </a:r>
             <a:r>
-              <a:rPr kumimoji="0" lang="en-US" altLang="ko-KR" sz="1100" b="0" i="0" u="none" strike="noStrike" cap="none" normalizeH="0" baseline="0" dirty="0" smtClean="0">
+              <a:rPr kumimoji="0" lang="en-US" altLang="ko-KR" sz="1500" b="0" i="0" u="none" strike="noStrike" cap="none" normalizeH="0" baseline="0" dirty="0" smtClean="0">
                 <a:ln>
                   <a:noFill/>
                 </a:ln>
@@ -4661,7 +6104,7 @@
               <a:t> </a:t>
             </a:r>
             <a:r>
-              <a:rPr kumimoji="0" lang="ko-KR" altLang="ko-KR" sz="1300" b="0" i="0" u="none" strike="noStrike" cap="none" normalizeH="0" baseline="0" dirty="0" smtClean="0">
+              <a:rPr kumimoji="0" lang="ko-KR" altLang="ko-KR" sz="1500" b="0" i="0" u="none" strike="noStrike" cap="none" normalizeH="0" baseline="0" dirty="0" smtClean="0">
                 <a:ln>
                   <a:noFill/>
                 </a:ln>
@@ -4671,9 +6114,93 @@
                 <a:effectLst/>
                 <a:ea typeface="Nanum Barun Gothic"/>
               </a:rPr>
-              <a:t>: 그림을 수평 또는 수직으로 랜덤하게 평행 이동시키는 범위 (원본 가로, 세로 길이에 대한 비율 값)</a:t>
-            </a:r>
-            <a:endParaRPr kumimoji="0" lang="ko-KR" altLang="ko-KR" sz="1300" b="0" i="0" u="none" strike="noStrike" cap="none" normalizeH="0" baseline="0" dirty="0" smtClean="0">
+              <a:t>: 그림을 수평 또는 수직으로 랜덤하게 평행 이동시키는 범위 </a:t>
+            </a:r>
+            <a:endParaRPr kumimoji="0" lang="en-US" altLang="ko-KR" sz="1500" b="0" i="0" u="none" strike="noStrike" cap="none" normalizeH="0" baseline="0" dirty="0" smtClean="0">
+              <a:ln>
+                <a:noFill/>
+              </a:ln>
+              <a:solidFill>
+                <a:schemeClr val="bg1"/>
+              </a:solidFill>
+              <a:effectLst/>
+              <a:ea typeface="Nanum Barun Gothic"/>
+            </a:endParaRPr>
+          </a:p>
+          <a:p>
+            <a:pPr marL="0" marR="0" lvl="0" indent="0" algn="l" defTabSz="914400" rtl="0" eaLnBrk="0" fontAlgn="base" latinLnBrk="0" hangingPunct="0">
+              <a:lnSpc>
+                <a:spcPct val="100000"/>
+              </a:lnSpc>
+              <a:spcBef>
+                <a:spcPct val="0"/>
+              </a:spcBef>
+              <a:spcAft>
+                <a:spcPct val="0"/>
+              </a:spcAft>
+              <a:buClrTx/>
+              <a:buSzTx/>
+              <a:buNone/>
+              <a:tabLst/>
+            </a:pPr>
+            <a:r>
+              <a:rPr lang="en-US" altLang="ko-KR" sz="1500" dirty="0">
+                <a:solidFill>
+                  <a:schemeClr val="bg1"/>
+                </a:solidFill>
+                <a:ea typeface="Nanum Barun Gothic"/>
+              </a:rPr>
+              <a:t>	</a:t>
+            </a:r>
+            <a:r>
+              <a:rPr lang="en-US" altLang="ko-KR" sz="1500" dirty="0" smtClean="0">
+                <a:solidFill>
+                  <a:schemeClr val="bg1"/>
+                </a:solidFill>
+                <a:ea typeface="Nanum Barun Gothic"/>
+              </a:rPr>
+              <a:t>	       </a:t>
+            </a:r>
+            <a:r>
+              <a:rPr kumimoji="0" lang="ko-KR" altLang="ko-KR" sz="1500" b="0" i="0" u="none" strike="noStrike" cap="none" normalizeH="0" baseline="0" dirty="0" smtClean="0">
+                <a:ln>
+                  <a:noFill/>
+                </a:ln>
+                <a:solidFill>
+                  <a:schemeClr val="bg1"/>
+                </a:solidFill>
+                <a:effectLst/>
+                <a:ea typeface="Nanum Barun Gothic"/>
+              </a:rPr>
+              <a:t>(</a:t>
+            </a:r>
+            <a:r>
+              <a:rPr kumimoji="0" lang="ko-KR" altLang="ko-KR" sz="1500" b="0" i="0" u="none" strike="noStrike" cap="none" normalizeH="0" baseline="0" dirty="0" smtClean="0">
+                <a:ln>
+                  <a:noFill/>
+                </a:ln>
+                <a:solidFill>
+                  <a:schemeClr val="bg1"/>
+                </a:solidFill>
+                <a:effectLst/>
+                <a:ea typeface="Nanum Barun Gothic"/>
+              </a:rPr>
+              <a:t>원본 가로, 세로 길이에 대한 비율 값</a:t>
+            </a:r>
+            <a:r>
+              <a:rPr kumimoji="0" lang="ko-KR" altLang="ko-KR" sz="1500" b="0" i="0" u="none" strike="noStrike" cap="none" normalizeH="0" baseline="0" dirty="0" smtClean="0">
+                <a:ln>
+                  <a:noFill/>
+                </a:ln>
+                <a:solidFill>
+                  <a:schemeClr val="bg1"/>
+                </a:solidFill>
+                <a:effectLst/>
+                <a:ea typeface="Nanum Barun Gothic"/>
+              </a:rPr>
+              <a:t>)</a:t>
+            </a:r>
+            <a:endParaRPr kumimoji="0" lang="ko-KR" altLang="ko-KR" sz="1500" b="0" i="0" u="none" strike="noStrike" cap="none" normalizeH="0" baseline="0" dirty="0" smtClean="0">
               <a:ln>
                 <a:noFill/>
               </a:ln>
@@ -4703,7 +6230,7 @@
               <a:tabLst/>
             </a:pPr>
             <a:r>
-              <a:rPr kumimoji="0" lang="ko-KR" altLang="ko-KR" sz="1100" b="0" i="0" u="none" strike="noStrike" cap="none" normalizeH="0" baseline="0" dirty="0" smtClean="0">
+              <a:rPr kumimoji="0" lang="ko-KR" altLang="ko-KR" sz="1500" b="0" i="0" u="none" strike="noStrike" cap="none" normalizeH="0" baseline="0" dirty="0" smtClean="0">
                 <a:ln>
                   <a:noFill/>
                 </a:ln>
@@ -4717,7 +6244,7 @@
               <a:t>shear_range</a:t>
             </a:r>
             <a:r>
-              <a:rPr kumimoji="0" lang="ko-KR" altLang="ko-KR" sz="1300" b="0" i="0" u="none" strike="noStrike" cap="none" normalizeH="0" baseline="0" dirty="0" smtClean="0">
+              <a:rPr kumimoji="0" lang="ko-KR" altLang="ko-KR" sz="1500" b="0" i="0" u="none" strike="noStrike" cap="none" normalizeH="0" baseline="0" dirty="0" smtClean="0">
                 <a:ln>
                   <a:noFill/>
                 </a:ln>
@@ -4727,9 +6254,22 @@
                 <a:effectLst/>
                 <a:ea typeface="Nanum Barun Gothic"/>
               </a:rPr>
-              <a:t>: 임의 전단 변환 (shearing transformation) 범위</a:t>
-            </a:r>
-            <a:endParaRPr kumimoji="0" lang="ko-KR" altLang="ko-KR" sz="1300" b="0" i="0" u="none" strike="noStrike" cap="none" normalizeH="0" baseline="0" dirty="0" smtClean="0">
+              <a:t>: 임의 전단 변환 (shearing transformation) </a:t>
+            </a:r>
+            <a:r>
+              <a:rPr kumimoji="0" lang="ko-KR" altLang="ko-KR" sz="1500" b="0" i="0" u="none" strike="noStrike" cap="none" normalizeH="0" baseline="0" dirty="0" smtClean="0">
+                <a:ln>
+                  <a:noFill/>
+                </a:ln>
+                <a:solidFill>
+                  <a:schemeClr val="bg1"/>
+                </a:solidFill>
+                <a:effectLst/>
+                <a:ea typeface="Nanum Barun Gothic"/>
+              </a:rPr>
+              <a:t>범위</a:t>
+            </a:r>
+            <a:endParaRPr kumimoji="0" lang="ko-KR" altLang="ko-KR" sz="1500" b="0" i="0" u="none" strike="noStrike" cap="none" normalizeH="0" baseline="0" dirty="0" smtClean="0">
               <a:ln>
                 <a:noFill/>
               </a:ln>
@@ -4759,7 +6299,7 @@
               <a:tabLst/>
             </a:pPr>
             <a:r>
-              <a:rPr kumimoji="0" lang="ko-KR" altLang="ko-KR" sz="1100" b="0" i="0" u="none" strike="noStrike" cap="none" normalizeH="0" baseline="0" dirty="0" smtClean="0">
+              <a:rPr kumimoji="0" lang="ko-KR" altLang="ko-KR" sz="1500" b="0" i="0" u="none" strike="noStrike" cap="none" normalizeH="0" baseline="0" dirty="0" smtClean="0">
                 <a:ln>
                   <a:noFill/>
                 </a:ln>
@@ -4773,7 +6313,7 @@
               <a:t>zoom_range</a:t>
             </a:r>
             <a:r>
-              <a:rPr kumimoji="0" lang="ko-KR" altLang="ko-KR" sz="1300" b="0" i="0" u="none" strike="noStrike" cap="none" normalizeH="0" baseline="0" dirty="0" smtClean="0">
+              <a:rPr kumimoji="0" lang="ko-KR" altLang="ko-KR" sz="1500" b="0" i="0" u="none" strike="noStrike" cap="none" normalizeH="0" baseline="0" dirty="0" smtClean="0">
                 <a:ln>
                   <a:noFill/>
                 </a:ln>
@@ -4783,9 +6323,22 @@
                 <a:effectLst/>
                 <a:ea typeface="Nanum Barun Gothic"/>
               </a:rPr>
-              <a:t>: 임의 확대/축소 범위</a:t>
-            </a:r>
-            <a:endParaRPr kumimoji="0" lang="ko-KR" altLang="ko-KR" sz="1300" b="0" i="0" u="none" strike="noStrike" cap="none" normalizeH="0" baseline="0" dirty="0" smtClean="0">
+              <a:t>: 임의 확대/축소 </a:t>
+            </a:r>
+            <a:r>
+              <a:rPr kumimoji="0" lang="ko-KR" altLang="ko-KR" sz="1500" b="0" i="0" u="none" strike="noStrike" cap="none" normalizeH="0" baseline="0" dirty="0" smtClean="0">
+                <a:ln>
+                  <a:noFill/>
+                </a:ln>
+                <a:solidFill>
+                  <a:schemeClr val="bg1"/>
+                </a:solidFill>
+                <a:effectLst/>
+                <a:ea typeface="Nanum Barun Gothic"/>
+              </a:rPr>
+              <a:t>범위</a:t>
+            </a:r>
+            <a:endParaRPr kumimoji="0" lang="ko-KR" altLang="ko-KR" sz="1500" b="0" i="0" u="none" strike="noStrike" cap="none" normalizeH="0" baseline="0" dirty="0" smtClean="0">
               <a:ln>
                 <a:noFill/>
               </a:ln>
@@ -4815,7 +6368,7 @@
               <a:tabLst/>
             </a:pPr>
             <a:r>
-              <a:rPr kumimoji="0" lang="ko-KR" altLang="ko-KR" sz="1100" b="0" i="0" u="none" strike="noStrike" cap="none" normalizeH="0" baseline="0" dirty="0" smtClean="0">
+              <a:rPr kumimoji="0" lang="ko-KR" altLang="ko-KR" sz="1500" b="0" i="0" u="none" strike="noStrike" cap="none" normalizeH="0" baseline="0" dirty="0" smtClean="0">
                 <a:ln>
                   <a:noFill/>
                 </a:ln>
@@ -4829,7 +6382,7 @@
               <a:t>horizontal_flip</a:t>
             </a:r>
             <a:r>
-              <a:rPr kumimoji="0" lang="ko-KR" altLang="ko-KR" sz="1300" b="0" i="0" u="none" strike="noStrike" cap="none" normalizeH="0" baseline="0" dirty="0" smtClean="0">
+              <a:rPr kumimoji="0" lang="ko-KR" altLang="ko-KR" sz="1500" b="0" i="0" u="none" strike="noStrike" cap="none" normalizeH="0" baseline="0" dirty="0" smtClean="0">
                 <a:ln>
                   <a:noFill/>
                 </a:ln>
@@ -4839,9 +6392,22 @@
                 <a:effectLst/>
                 <a:ea typeface="Nanum Barun Gothic"/>
               </a:rPr>
-              <a:t>: True로 설정할 경우, 50% 확률로 이미지를 수평으로 뒤집습니다</a:t>
-            </a:r>
-            <a:endParaRPr kumimoji="0" lang="ko-KR" altLang="ko-KR" sz="1300" b="0" i="0" u="none" strike="noStrike" cap="none" normalizeH="0" baseline="0" dirty="0" smtClean="0">
+              <a:t>: True로 설정할 경우, 50% 확률로 이미지를 수평으로 </a:t>
+            </a:r>
+            <a:r>
+              <a:rPr kumimoji="0" lang="ko-KR" altLang="ko-KR" sz="1500" b="0" i="0" u="none" strike="noStrike" cap="none" normalizeH="0" baseline="0" dirty="0" smtClean="0">
+                <a:ln>
+                  <a:noFill/>
+                </a:ln>
+                <a:solidFill>
+                  <a:schemeClr val="bg1"/>
+                </a:solidFill>
+                <a:effectLst/>
+                <a:ea typeface="Nanum Barun Gothic"/>
+              </a:rPr>
+              <a:t>뒤집습니다</a:t>
+            </a:r>
+            <a:endParaRPr kumimoji="0" lang="ko-KR" altLang="ko-KR" sz="1500" b="0" i="0" u="none" strike="noStrike" cap="none" normalizeH="0" baseline="0" dirty="0" smtClean="0">
               <a:ln>
                 <a:noFill/>
               </a:ln>
@@ -4871,7 +6437,7 @@
               <a:tabLst/>
             </a:pPr>
             <a:r>
-              <a:rPr kumimoji="0" lang="ko-KR" altLang="ko-KR" sz="1100" b="0" i="0" u="none" strike="noStrike" cap="none" normalizeH="0" baseline="0" dirty="0" smtClean="0">
+              <a:rPr kumimoji="0" lang="ko-KR" altLang="ko-KR" sz="1500" b="0" i="0" u="none" strike="noStrike" cap="none" normalizeH="0" baseline="0" dirty="0" smtClean="0">
                 <a:ln>
                   <a:noFill/>
                 </a:ln>
@@ -4885,7 +6451,7 @@
               <a:t>fill_mode</a:t>
             </a:r>
             <a:r>
-              <a:rPr kumimoji="0" lang="ko-KR" altLang="ko-KR" sz="1300" b="0" i="0" u="none" strike="noStrike" cap="none" normalizeH="0" baseline="0" dirty="0" smtClean="0">
+              <a:rPr kumimoji="0" lang="ko-KR" altLang="ko-KR" sz="1500" b="0" i="0" u="none" strike="noStrike" cap="none" normalizeH="0" baseline="0" dirty="0" smtClean="0">
                 <a:ln>
                   <a:noFill/>
                 </a:ln>
@@ -4898,7 +6464,7 @@
               <a:t> </a:t>
             </a:r>
             <a:r>
-              <a:rPr kumimoji="0" lang="ko-KR" altLang="ko-KR" sz="1300" b="0" i="0" u="none" strike="noStrike" cap="none" normalizeH="0" baseline="0" dirty="0" smtClean="0">
+              <a:rPr kumimoji="0" lang="ko-KR" altLang="ko-KR" sz="1500" b="0" i="0" u="none" strike="noStrike" cap="none" normalizeH="0" baseline="0" dirty="0" smtClean="0">
                 <a:ln>
                   <a:noFill/>
                 </a:ln>
@@ -4929,7 +6495,7 @@
               <a:buNone/>
               <a:tabLst/>
             </a:pPr>
-            <a:endParaRPr kumimoji="0" lang="en-US" altLang="ko-KR" sz="1800" b="0" i="0" u="none" strike="noStrike" cap="none" normalizeH="0" baseline="0" dirty="0" smtClean="0">
+            <a:endParaRPr kumimoji="0" lang="en-US" altLang="ko-KR" sz="1500" b="0" i="0" u="none" strike="noStrike" cap="none" normalizeH="0" baseline="0" dirty="0" smtClean="0">
               <a:ln>
                 <a:noFill/>
               </a:ln>
@@ -4957,7 +6523,7 @@
               <a:buNone/>
               <a:tabLst/>
             </a:pPr>
-            <a:endParaRPr lang="en-US" altLang="ko-KR" sz="1800" dirty="0">
+            <a:endParaRPr lang="en-US" altLang="ko-KR" sz="1500" dirty="0">
               <a:solidFill>
                 <a:schemeClr val="bg1"/>
               </a:solidFill>
@@ -4978,7 +6544,7 @@
               <a:buNone/>
             </a:pPr>
             <a:r>
-              <a:rPr kumimoji="0" lang="en-US" altLang="ko-KR" sz="1300" b="0" i="0" u="none" strike="noStrike" cap="none" normalizeH="0" baseline="0" dirty="0" smtClean="0">
+              <a:rPr kumimoji="0" lang="en-US" altLang="ko-KR" sz="1500" b="0" i="0" u="none" strike="noStrike" cap="none" normalizeH="0" baseline="0" dirty="0" smtClean="0">
                 <a:ln>
                   <a:noFill/>
                 </a:ln>
@@ -4991,7 +6557,7 @@
               <a:t>##</a:t>
             </a:r>
             <a:r>
-              <a:rPr lang="en-US" altLang="ko-KR" sz="1300" dirty="0">
+              <a:rPr lang="en-US" altLang="ko-KR" sz="1500" dirty="0">
                 <a:solidFill>
                   <a:schemeClr val="bg1"/>
                 </a:solidFill>
@@ -5001,7 +6567,7 @@
               <a:t>r</a:t>
             </a:r>
             <a:r>
-              <a:rPr lang="ko-KR" altLang="ko-KR" sz="1300" dirty="0">
+              <a:rPr lang="ko-KR" altLang="ko-KR" sz="1500" dirty="0">
                 <a:solidFill>
                   <a:schemeClr val="bg1"/>
                 </a:solidFill>
@@ -5011,7 +6577,7 @@
               <a:t>escale</a:t>
             </a:r>
             <a:r>
-              <a:rPr lang="en-US" altLang="ko-KR" sz="1300" dirty="0">
+              <a:rPr lang="en-US" altLang="ko-KR" sz="1500" dirty="0">
                 <a:solidFill>
                   <a:schemeClr val="bg1"/>
                 </a:solidFill>
@@ -5021,7 +6587,7 @@
               <a:t> </a:t>
             </a:r>
             <a:r>
-              <a:rPr lang="ko-KR" altLang="ko-KR" sz="1300" dirty="0">
+              <a:rPr lang="ko-KR" altLang="ko-KR" sz="1500" dirty="0">
                 <a:solidFill>
                   <a:schemeClr val="bg1"/>
                 </a:solidFill>
@@ -5030,7 +6596,7 @@
               <a:t>: 원본 영상은 0-255의 RGB 계수로 구성</a:t>
             </a:r>
             <a:r>
-              <a:rPr lang="en-US" altLang="ko-KR" sz="1300" dirty="0">
+              <a:rPr lang="en-US" altLang="ko-KR" sz="1500" dirty="0">
                 <a:solidFill>
                   <a:schemeClr val="bg1"/>
                 </a:solidFill>
@@ -5039,7 +6605,7 @@
               <a:t>(</a:t>
             </a:r>
             <a:r>
-              <a:rPr lang="ko-KR" altLang="en-US" sz="1300" dirty="0">
+              <a:rPr lang="ko-KR" altLang="en-US" sz="1500" dirty="0">
                 <a:solidFill>
                   <a:schemeClr val="bg1"/>
                 </a:solidFill>
@@ -5048,7 +6614,7 @@
               <a:t>너무 큼</a:t>
             </a:r>
             <a:r>
-              <a:rPr lang="en-US" altLang="ko-KR" sz="1300" dirty="0">
+              <a:rPr lang="en-US" altLang="ko-KR" sz="1500" dirty="0">
                 <a:solidFill>
                   <a:schemeClr val="bg1"/>
                 </a:solidFill>
@@ -5057,7 +6623,7 @@
               <a:t>) -&gt;</a:t>
             </a:r>
             <a:r>
-              <a:rPr lang="ko-KR" altLang="ko-KR" sz="1300" dirty="0">
+              <a:rPr lang="ko-KR" altLang="ko-KR" sz="1500" dirty="0">
                 <a:solidFill>
                   <a:schemeClr val="bg1"/>
                 </a:solidFill>
@@ -5066,7 +6632,7 @@
               <a:t> </a:t>
             </a:r>
             <a:r>
-              <a:rPr lang="ko-KR" altLang="en-US" sz="1300" dirty="0">
+              <a:rPr lang="ko-KR" altLang="en-US" sz="1500" dirty="0">
                 <a:solidFill>
                   <a:schemeClr val="bg1"/>
                 </a:solidFill>
@@ -5075,7 +6641,7 @@
               <a:t>학습의 용이성을 위해 </a:t>
             </a:r>
             <a:r>
-              <a:rPr lang="ko-KR" altLang="ko-KR" sz="1300" dirty="0">
+              <a:rPr lang="ko-KR" altLang="ko-KR" sz="1500" dirty="0">
                 <a:solidFill>
                   <a:schemeClr val="bg1"/>
                 </a:solidFill>
@@ -5084,7 +6650,7 @@
               <a:t>이를 1/255로 스케일링</a:t>
             </a:r>
             <a:r>
-              <a:rPr lang="en-US" altLang="ko-KR" sz="1300" dirty="0">
+              <a:rPr lang="en-US" altLang="ko-KR" sz="1500" dirty="0">
                 <a:solidFill>
                   <a:schemeClr val="bg1"/>
                 </a:solidFill>
@@ -5093,7 +6659,7 @@
               <a:t>(</a:t>
             </a:r>
             <a:r>
-              <a:rPr lang="ko-KR" altLang="ko-KR" sz="1300" dirty="0">
+              <a:rPr lang="ko-KR" altLang="ko-KR" sz="1500" dirty="0">
                 <a:solidFill>
                   <a:schemeClr val="bg1"/>
                 </a:solidFill>
@@ -5102,7 +6668,7 @@
               <a:t>0-1 범위</a:t>
             </a:r>
             <a:r>
-              <a:rPr lang="en-US" altLang="ko-KR" sz="1300" dirty="0">
+              <a:rPr lang="en-US" altLang="ko-KR" sz="1500" dirty="0">
                 <a:solidFill>
                   <a:schemeClr val="bg1"/>
                 </a:solidFill>
@@ -5110,7 +6676,7 @@
               </a:rPr>
               <a:t>)</a:t>
             </a:r>
-            <a:endParaRPr lang="ko-KR" altLang="ko-KR" sz="1300" dirty="0">
+            <a:endParaRPr lang="ko-KR" altLang="ko-KR" sz="1500" dirty="0">
               <a:solidFill>
                 <a:schemeClr val="bg1"/>
               </a:solidFill>
@@ -5135,7 +6701,7 @@
               <a:buNone/>
               <a:tabLst/>
             </a:pPr>
-            <a:endParaRPr kumimoji="0" lang="ko-KR" altLang="ko-KR" sz="1800" b="0" i="0" u="none" strike="noStrike" cap="none" normalizeH="0" baseline="0" dirty="0" smtClean="0">
+            <a:endParaRPr kumimoji="0" lang="ko-KR" altLang="ko-KR" sz="1500" b="0" i="0" u="none" strike="noStrike" cap="none" normalizeH="0" baseline="0" dirty="0" smtClean="0">
               <a:ln>
                 <a:noFill/>
               </a:ln>
@@ -5345,8 +6911,8 @@
         </p:nvSpPr>
         <p:spPr bwMode="auto">
           <a:xfrm>
-            <a:off x="838200" y="4420024"/>
-            <a:ext cx="10515600" cy="600164"/>
+            <a:off x="838200" y="4304608"/>
+            <a:ext cx="10515600" cy="830997"/>
           </a:xfrm>
           <a:prstGeom prst="rect">
             <a:avLst/>
@@ -5383,7 +6949,7 @@
               <a:tabLst/>
             </a:pPr>
             <a:r>
-              <a:rPr lang="en-US" altLang="ko-KR" sz="1300" dirty="0" smtClean="0">
+              <a:rPr lang="en-US" altLang="ko-KR" sz="1800" dirty="0" smtClean="0">
                 <a:solidFill>
                   <a:schemeClr val="bg1"/>
                 </a:solidFill>
@@ -5392,7 +6958,7 @@
               <a:t>Line1 = Img_path  : </a:t>
             </a:r>
             <a:r>
-              <a:rPr lang="ko-KR" altLang="en-US" sz="1300" dirty="0" smtClean="0">
+              <a:rPr lang="ko-KR" altLang="en-US" sz="1800" dirty="0" smtClean="0">
                 <a:solidFill>
                   <a:schemeClr val="bg1"/>
                 </a:solidFill>
@@ -5401,7 +6967,7 @@
               <a:t>이미</a:t>
             </a:r>
             <a:r>
-              <a:rPr lang="ko-KR" altLang="en-US" sz="1300" dirty="0">
+              <a:rPr lang="ko-KR" altLang="en-US" sz="1800" dirty="0">
                 <a:solidFill>
                   <a:schemeClr val="bg1"/>
                 </a:solidFill>
@@ -5410,7 +6976,7 @@
               <a:t>지</a:t>
             </a:r>
             <a:r>
-              <a:rPr lang="ko-KR" altLang="en-US" sz="1300" dirty="0" smtClean="0">
+              <a:rPr lang="ko-KR" altLang="en-US" sz="1800" dirty="0" smtClean="0">
                 <a:solidFill>
                   <a:schemeClr val="bg1"/>
                 </a:solidFill>
@@ -5418,7 +6984,7 @@
               </a:rPr>
               <a:t> 저장</a:t>
             </a:r>
-            <a:endParaRPr lang="en-US" altLang="ko-KR" sz="1300" dirty="0" smtClean="0">
+            <a:endParaRPr lang="en-US" altLang="ko-KR" sz="1800" dirty="0" smtClean="0">
               <a:solidFill>
                 <a:schemeClr val="bg1"/>
               </a:solidFill>
@@ -5439,7 +7005,7 @@
               <a:buNone/>
             </a:pPr>
             <a:r>
-              <a:rPr lang="en-US" altLang="ko-KR" sz="1300" dirty="0" smtClean="0">
+              <a:rPr lang="en-US" altLang="ko-KR" sz="1800" dirty="0" smtClean="0">
                 <a:solidFill>
                   <a:schemeClr val="bg1"/>
                 </a:solidFill>
@@ -5448,7 +7014,7 @@
               <a:t>Line 3 = X : </a:t>
             </a:r>
             <a:r>
-              <a:rPr lang="ko-KR" altLang="en-US" sz="1300" dirty="0" smtClean="0">
+              <a:rPr lang="ko-KR" altLang="en-US" sz="1800" dirty="0" smtClean="0">
                 <a:solidFill>
                   <a:schemeClr val="bg1"/>
                 </a:solidFill>
@@ -5457,7 +7023,7 @@
               <a:t>이미지 </a:t>
             </a:r>
             <a:r>
-              <a:rPr lang="en-US" altLang="ko-KR" sz="1300" dirty="0" smtClean="0">
+              <a:rPr lang="en-US" altLang="ko-KR" sz="1800" dirty="0" smtClean="0">
                 <a:solidFill>
                   <a:schemeClr val="bg1"/>
                 </a:solidFill>
@@ -5466,7 +7032,7 @@
               <a:t>-&gt; </a:t>
             </a:r>
             <a:r>
-              <a:rPr lang="ko-KR" altLang="en-US" sz="1300" dirty="0" smtClean="0">
+              <a:rPr lang="ko-KR" altLang="en-US" sz="1800" dirty="0" smtClean="0">
                 <a:solidFill>
                   <a:schemeClr val="bg1"/>
                 </a:solidFill>
@@ -5475,7 +7041,7 @@
               <a:t>배열</a:t>
             </a:r>
             <a:r>
-              <a:rPr lang="en-US" altLang="ko-KR" sz="1300" dirty="0" smtClean="0">
+              <a:rPr lang="en-US" altLang="ko-KR" sz="1800" dirty="0" smtClean="0">
                 <a:solidFill>
                   <a:schemeClr val="bg1"/>
                 </a:solidFill>
@@ -5484,7 +7050,7 @@
               <a:t>(</a:t>
             </a:r>
             <a:r>
-              <a:rPr lang="ko-KR" altLang="en-US" sz="1300" dirty="0" smtClean="0">
+              <a:rPr lang="ko-KR" altLang="en-US" sz="1800" dirty="0" smtClean="0">
                 <a:solidFill>
                   <a:schemeClr val="bg1"/>
                 </a:solidFill>
@@ -5493,7 +7059,7 @@
               <a:t>텐서</a:t>
             </a:r>
             <a:r>
-              <a:rPr lang="en-US" altLang="ko-KR" sz="1300" dirty="0" smtClean="0">
+              <a:rPr lang="en-US" altLang="ko-KR" sz="1800" dirty="0" smtClean="0">
                 <a:solidFill>
                   <a:schemeClr val="bg1"/>
                 </a:solidFill>
@@ -5502,7 +7068,7 @@
               <a:t>) </a:t>
             </a:r>
             <a:r>
-              <a:rPr lang="ko-KR" altLang="en-US" sz="1300" dirty="0" smtClean="0">
+              <a:rPr lang="ko-KR" altLang="en-US" sz="1800" dirty="0" smtClean="0">
                 <a:solidFill>
                   <a:schemeClr val="bg1"/>
                 </a:solidFill>
@@ -5511,7 +7077,7 @@
               <a:t>변환 저장</a:t>
             </a:r>
             <a:r>
-              <a:rPr lang="en-US" altLang="ko-KR" sz="1300" dirty="0" smtClean="0">
+              <a:rPr lang="en-US" altLang="ko-KR" sz="1800" dirty="0" smtClean="0">
                 <a:solidFill>
                   <a:schemeClr val="bg1"/>
                 </a:solidFill>
@@ -5520,7 +7086,7 @@
               <a:t>(</a:t>
             </a:r>
             <a:r>
-              <a:rPr lang="ko-KR" altLang="en-US" sz="1300" dirty="0">
+              <a:rPr lang="ko-KR" altLang="en-US" sz="1800" dirty="0">
                 <a:solidFill>
                   <a:schemeClr val="bg1"/>
                 </a:solidFill>
@@ -5529,7 +7095,7 @@
               <a:t>추가적으로 </a:t>
             </a:r>
             <a:r>
-              <a:rPr lang="ko-KR" altLang="en-US" sz="1300" dirty="0" smtClean="0">
+              <a:rPr lang="ko-KR" altLang="en-US" sz="1800" dirty="0" smtClean="0">
                 <a:solidFill>
                   <a:schemeClr val="bg1"/>
                 </a:solidFill>
@@ -5538,7 +7104,7 @@
               <a:t>바로 아래서</a:t>
             </a:r>
             <a:r>
-              <a:rPr lang="en-US" altLang="ko-KR" sz="1300" dirty="0">
+              <a:rPr lang="en-US" altLang="ko-KR" sz="1800" dirty="0">
                 <a:solidFill>
                   <a:schemeClr val="bg1"/>
                 </a:solidFill>
@@ -5547,7 +7113,7 @@
               <a:t>, </a:t>
             </a:r>
             <a:r>
-              <a:rPr lang="ko-KR" altLang="en-US" sz="1300" dirty="0">
+              <a:rPr lang="ko-KR" altLang="en-US" sz="1800" dirty="0">
                 <a:solidFill>
                   <a:schemeClr val="bg1"/>
                 </a:solidFill>
@@ -5556,7 +7122,7 @@
               <a:t>차원</a:t>
             </a:r>
             <a:r>
-              <a:rPr lang="en-US" altLang="ko-KR" sz="1300" dirty="0">
+              <a:rPr lang="en-US" altLang="ko-KR" sz="1800" dirty="0">
                 <a:solidFill>
                   <a:schemeClr val="bg1"/>
                 </a:solidFill>
@@ -5565,7 +7131,7 @@
               <a:t>1</a:t>
             </a:r>
             <a:r>
-              <a:rPr lang="ko-KR" altLang="en-US" sz="1300" dirty="0">
+              <a:rPr lang="ko-KR" altLang="en-US" sz="1800" dirty="0">
                 <a:solidFill>
                   <a:schemeClr val="bg1"/>
                 </a:solidFill>
@@ -5574,7 +7140,7 @@
               <a:t>개 </a:t>
             </a:r>
             <a:r>
-              <a:rPr lang="ko-KR" altLang="en-US" sz="1300" dirty="0" smtClean="0">
+              <a:rPr lang="ko-KR" altLang="en-US" sz="1800" dirty="0" smtClean="0">
                 <a:solidFill>
                   <a:schemeClr val="bg1"/>
                 </a:solidFill>
@@ -5583,7 +7149,7 @@
               <a:t>추가</a:t>
             </a:r>
             <a:r>
-              <a:rPr lang="en-US" altLang="ko-KR" sz="1300" dirty="0" smtClean="0">
+              <a:rPr lang="en-US" altLang="ko-KR" sz="1800" dirty="0" smtClean="0">
                 <a:solidFill>
                   <a:schemeClr val="bg1"/>
                 </a:solidFill>
@@ -5606,7 +7172,7 @@
               <a:buNone/>
             </a:pPr>
             <a:r>
-              <a:rPr lang="en-US" altLang="ko-KR" sz="1300" dirty="0" smtClean="0">
+              <a:rPr lang="en-US" altLang="ko-KR" sz="1800" dirty="0" smtClean="0">
                 <a:solidFill>
                   <a:schemeClr val="bg1"/>
                 </a:solidFill>
@@ -5615,7 +7181,7 @@
               <a:t>Line 7~10 = </a:t>
             </a:r>
             <a:r>
-              <a:rPr lang="ko-KR" altLang="en-US" sz="1300" dirty="0" smtClean="0">
+              <a:rPr lang="ko-KR" altLang="en-US" sz="1800" dirty="0" smtClean="0">
                 <a:solidFill>
                   <a:schemeClr val="bg1"/>
                 </a:solidFill>
@@ -5623,7 +7189,7 @@
               </a:rPr>
               <a:t>이미지랜덤생성</a:t>
             </a:r>
-            <a:endParaRPr lang="en-US" altLang="ko-KR" sz="1300" dirty="0" smtClean="0">
+            <a:endParaRPr lang="en-US" altLang="ko-KR" sz="1800" dirty="0" smtClean="0">
               <a:solidFill>
                 <a:schemeClr val="bg1"/>
               </a:solidFill>
@@ -5871,6 +7437,1490 @@
     <p:extLst>
       <p:ext uri="{BB962C8B-B14F-4D97-AF65-F5344CB8AC3E}">
         <p14:creationId xmlns:p14="http://schemas.microsoft.com/office/powerpoint/2010/main" val="340811015"/>
+      </p:ext>
+    </p:extLst>
+  </p:cSld>
+  <p:clrMapOvr>
+    <a:masterClrMapping/>
+  </p:clrMapOvr>
+  <p:timing>
+    <p:tnLst>
+      <p:par>
+        <p:cTn id="1" dur="indefinite" restart="never" nodeType="tmRoot"/>
+      </p:par>
+    </p:tnLst>
+  </p:timing>
+</p:sld>
+</file>
+
+<file path=ppt/slides/slide6.xml><?xml version="1.0" encoding="utf-8"?>
+<p:sld xmlns:a="http://schemas.openxmlformats.org/drawingml/2006/main" xmlns:r="http://schemas.openxmlformats.org/officeDocument/2006/relationships" xmlns:p="http://schemas.openxmlformats.org/presentationml/2006/main">
+  <p:cSld>
+    <p:spTree>
+      <p:nvGrpSpPr>
+        <p:cNvPr id="1" name=""/>
+        <p:cNvGrpSpPr/>
+        <p:nvPr/>
+      </p:nvGrpSpPr>
+      <p:grpSpPr>
+        <a:xfrm>
+          <a:off x="0" y="0"/>
+          <a:ext cx="0" cy="0"/>
+          <a:chOff x="0" y="0"/>
+          <a:chExt cx="0" cy="0"/>
+        </a:xfrm>
+      </p:grpSpPr>
+      <p:pic>
+        <p:nvPicPr>
+          <p:cNvPr id="7" name="그림 6"/>
+          <p:cNvPicPr>
+            <a:picLocks noChangeAspect="1"/>
+          </p:cNvPicPr>
+          <p:nvPr/>
+        </p:nvPicPr>
+        <p:blipFill>
+          <a:blip r:embed="rId2"/>
+          <a:stretch>
+            <a:fillRect/>
+          </a:stretch>
+        </p:blipFill>
+        <p:spPr>
+          <a:xfrm>
+            <a:off x="2640283" y="0"/>
+            <a:ext cx="6911433" cy="6870488"/>
+          </a:xfrm>
+          <a:prstGeom prst="rect">
+            <a:avLst/>
+          </a:prstGeom>
+        </p:spPr>
+      </p:pic>
+      <p:sp>
+        <p:nvSpPr>
+          <p:cNvPr id="4" name="직사각형 3">
+            <a:extLst>
+              <a:ext uri="{FF2B5EF4-FFF2-40B4-BE49-F238E27FC236}">
+                <a16:creationId xmlns:a16="http://schemas.microsoft.com/office/drawing/2014/main" id="{BF0A348F-BA38-45F0-AF92-9E2C422A1DF6}"/>
+              </a:ext>
+            </a:extLst>
+          </p:cNvPr>
+          <p:cNvSpPr/>
+          <p:nvPr/>
+        </p:nvSpPr>
+        <p:spPr>
+          <a:xfrm>
+            <a:off x="-1" y="0"/>
+            <a:ext cx="12192000" cy="6858000"/>
+          </a:xfrm>
+          <a:prstGeom prst="rect">
+            <a:avLst/>
+          </a:prstGeom>
+          <a:solidFill>
+            <a:schemeClr val="tx1">
+              <a:alpha val="80000"/>
+            </a:schemeClr>
+          </a:solidFill>
+        </p:spPr>
+        <p:style>
+          <a:lnRef idx="2">
+            <a:schemeClr val="accent1">
+              <a:shade val="50000"/>
+            </a:schemeClr>
+          </a:lnRef>
+          <a:fillRef idx="1">
+            <a:schemeClr val="accent1"/>
+          </a:fillRef>
+          <a:effectRef idx="0">
+            <a:schemeClr val="accent1"/>
+          </a:effectRef>
+          <a:fontRef idx="minor">
+            <a:schemeClr val="lt1"/>
+          </a:fontRef>
+        </p:style>
+        <p:txBody>
+          <a:bodyPr rtlCol="0" anchor="ctr"/>
+          <a:lstStyle/>
+          <a:p>
+            <a:pPr algn="ctr"/>
+            <a:endParaRPr lang="ko-KR" altLang="en-US" dirty="0"/>
+          </a:p>
+        </p:txBody>
+      </p:sp>
+      <p:sp>
+        <p:nvSpPr>
+          <p:cNvPr id="16" name="제목 15"/>
+          <p:cNvSpPr>
+            <a:spLocks noGrp="1"/>
+          </p:cNvSpPr>
+          <p:nvPr>
+            <p:ph type="title"/>
+          </p:nvPr>
+        </p:nvSpPr>
+        <p:spPr>
+          <a:xfrm>
+            <a:off x="838200" y="365125"/>
+            <a:ext cx="10515600" cy="6168147"/>
+          </a:xfrm>
+        </p:spPr>
+        <p:txBody>
+          <a:bodyPr>
+            <a:normAutofit/>
+          </a:bodyPr>
+          <a:lstStyle/>
+          <a:p>
+            <a:pPr lvl="0"/>
+            <a:r>
+              <a:rPr lang="ko-KR" altLang="en-US" dirty="0" smtClean="0">
+                <a:solidFill>
+                  <a:schemeClr val="bg1"/>
+                </a:solidFill>
+              </a:rPr>
+              <a:t>실행 </a:t>
+            </a:r>
+            <a:r>
+              <a:rPr lang="ko-KR" altLang="en-US" dirty="0" smtClean="0">
+                <a:solidFill>
+                  <a:schemeClr val="bg1"/>
+                </a:solidFill>
+              </a:rPr>
+              <a:t>결과</a:t>
+            </a:r>
+            <a:r>
+              <a:rPr lang="en-US" altLang="ko-KR" dirty="0" smtClean="0">
+                <a:solidFill>
+                  <a:schemeClr val="bg1"/>
+                </a:solidFill>
+              </a:rPr>
+              <a:t/>
+            </a:r>
+            <a:br>
+              <a:rPr lang="en-US" altLang="ko-KR" dirty="0" smtClean="0">
+                <a:solidFill>
+                  <a:schemeClr val="bg1"/>
+                </a:solidFill>
+              </a:rPr>
+            </a:br>
+            <a:r>
+              <a:rPr lang="en-US" altLang="ko-KR" sz="1700" dirty="0">
+                <a:solidFill>
+                  <a:schemeClr val="bg1"/>
+                </a:solidFill>
+              </a:rPr>
+              <a:t>rotation_range </a:t>
+            </a:r>
+            <a:r>
+              <a:rPr lang="ko-KR" altLang="en-US" sz="1700" dirty="0" smtClean="0">
+                <a:solidFill>
+                  <a:schemeClr val="bg1"/>
+                </a:solidFill>
+              </a:rPr>
+              <a:t>조정</a:t>
+            </a:r>
+            <a:r>
+              <a:rPr lang="en-US" altLang="ko-KR" sz="1700" dirty="0" smtClean="0">
+                <a:solidFill>
+                  <a:schemeClr val="bg1"/>
+                </a:solidFill>
+              </a:rPr>
+              <a:t/>
+            </a:r>
+            <a:br>
+              <a:rPr lang="en-US" altLang="ko-KR" sz="1700" dirty="0" smtClean="0">
+                <a:solidFill>
+                  <a:schemeClr val="bg1"/>
+                </a:solidFill>
+              </a:rPr>
+            </a:br>
+            <a:r>
+              <a:rPr lang="ko-KR" altLang="ko-KR" sz="1700" dirty="0">
+                <a:solidFill>
+                  <a:schemeClr val="bg1"/>
+                </a:solidFill>
+                <a:ea typeface="Nanum Barun Gothic"/>
+              </a:rPr>
+              <a:t>이미지 회전 범위</a:t>
+            </a:r>
+            <a:r>
+              <a:rPr lang="en-US" altLang="ko-KR" sz="1700" dirty="0">
+                <a:solidFill>
+                  <a:schemeClr val="bg1"/>
+                </a:solidFill>
+                <a:ea typeface="Nanum Barun Gothic"/>
+              </a:rPr>
+              <a:t> (degrees)</a:t>
+            </a:r>
+            <a:br>
+              <a:rPr lang="en-US" altLang="ko-KR" sz="1700" dirty="0">
+                <a:solidFill>
+                  <a:schemeClr val="bg1"/>
+                </a:solidFill>
+                <a:ea typeface="Nanum Barun Gothic"/>
+              </a:rPr>
+            </a:br>
+            <a:endParaRPr lang="ko-KR" altLang="en-US" sz="1700" dirty="0">
+              <a:solidFill>
+                <a:schemeClr val="bg1"/>
+              </a:solidFill>
+            </a:endParaRPr>
+          </a:p>
+        </p:txBody>
+      </p:sp>
+      <p:sp>
+        <p:nvSpPr>
+          <p:cNvPr id="6" name="슬라이드 번호 개체 틀 5">
+            <a:extLst>
+              <a:ext uri="{FF2B5EF4-FFF2-40B4-BE49-F238E27FC236}">
+                <a16:creationId xmlns:a16="http://schemas.microsoft.com/office/drawing/2014/main" id="{0D969F13-F0F9-40BB-9F73-11A02D508AEA}"/>
+              </a:ext>
+            </a:extLst>
+          </p:cNvPr>
+          <p:cNvSpPr>
+            <a:spLocks noGrp="1"/>
+          </p:cNvSpPr>
+          <p:nvPr>
+            <p:ph type="sldNum" sz="quarter" idx="12"/>
+          </p:nvPr>
+        </p:nvSpPr>
+        <p:spPr/>
+        <p:txBody>
+          <a:bodyPr/>
+          <a:lstStyle/>
+          <a:p>
+            <a:fld id="{AB81654A-47D9-40E7-9E30-F89685321D9F}" type="slidenum">
+              <a:rPr lang="ko-KR" altLang="en-US" sz="1600" smtClean="0">
+                <a:solidFill>
+                  <a:schemeClr val="bg1"/>
+                </a:solidFill>
+              </a:rPr>
+              <a:t>6</a:t>
+            </a:fld>
+            <a:endParaRPr lang="ko-KR" altLang="en-US" sz="1600" dirty="0">
+              <a:solidFill>
+                <a:schemeClr val="bg1"/>
+              </a:solidFill>
+            </a:endParaRPr>
+          </a:p>
+        </p:txBody>
+      </p:sp>
+      <p:pic>
+        <p:nvPicPr>
+          <p:cNvPr id="5" name="내용 개체 틀 4"/>
+          <p:cNvPicPr>
+            <a:picLocks noGrp="1" noChangeAspect="1"/>
+          </p:cNvPicPr>
+          <p:nvPr>
+            <p:ph idx="1"/>
+          </p:nvPr>
+        </p:nvPicPr>
+        <p:blipFill>
+          <a:blip r:embed="rId3"/>
+          <a:stretch>
+            <a:fillRect/>
+          </a:stretch>
+        </p:blipFill>
+        <p:spPr>
+          <a:xfrm>
+            <a:off x="4947545" y="329673"/>
+            <a:ext cx="2045543" cy="6208545"/>
+          </a:xfrm>
+          <a:prstGeom prst="rect">
+            <a:avLst/>
+          </a:prstGeom>
+        </p:spPr>
+      </p:pic>
+      <p:pic>
+        <p:nvPicPr>
+          <p:cNvPr id="3" name="그림 2"/>
+          <p:cNvPicPr>
+            <a:picLocks noChangeAspect="1"/>
+          </p:cNvPicPr>
+          <p:nvPr/>
+        </p:nvPicPr>
+        <p:blipFill>
+          <a:blip r:embed="rId4"/>
+          <a:stretch>
+            <a:fillRect/>
+          </a:stretch>
+        </p:blipFill>
+        <p:spPr>
+          <a:xfrm>
+            <a:off x="7772401" y="324727"/>
+            <a:ext cx="1904053" cy="6208545"/>
+          </a:xfrm>
+          <a:prstGeom prst="rect">
+            <a:avLst/>
+          </a:prstGeom>
+        </p:spPr>
+      </p:pic>
+    </p:spTree>
+    <p:extLst>
+      <p:ext uri="{BB962C8B-B14F-4D97-AF65-F5344CB8AC3E}">
+        <p14:creationId xmlns:p14="http://schemas.microsoft.com/office/powerpoint/2010/main" val="2431520212"/>
+      </p:ext>
+    </p:extLst>
+  </p:cSld>
+  <p:clrMapOvr>
+    <a:masterClrMapping/>
+  </p:clrMapOvr>
+  <p:timing>
+    <p:tnLst>
+      <p:par>
+        <p:cTn id="1" dur="indefinite" restart="never" nodeType="tmRoot"/>
+      </p:par>
+    </p:tnLst>
+  </p:timing>
+</p:sld>
+</file>
+
+<file path=ppt/slides/slide7.xml><?xml version="1.0" encoding="utf-8"?>
+<p:sld xmlns:a="http://schemas.openxmlformats.org/drawingml/2006/main" xmlns:r="http://schemas.openxmlformats.org/officeDocument/2006/relationships" xmlns:p="http://schemas.openxmlformats.org/presentationml/2006/main">
+  <p:cSld>
+    <p:spTree>
+      <p:nvGrpSpPr>
+        <p:cNvPr id="1" name=""/>
+        <p:cNvGrpSpPr/>
+        <p:nvPr/>
+      </p:nvGrpSpPr>
+      <p:grpSpPr>
+        <a:xfrm>
+          <a:off x="0" y="0"/>
+          <a:ext cx="0" cy="0"/>
+          <a:chOff x="0" y="0"/>
+          <a:chExt cx="0" cy="0"/>
+        </a:xfrm>
+      </p:grpSpPr>
+      <p:pic>
+        <p:nvPicPr>
+          <p:cNvPr id="7" name="그림 6"/>
+          <p:cNvPicPr>
+            <a:picLocks noChangeAspect="1"/>
+          </p:cNvPicPr>
+          <p:nvPr/>
+        </p:nvPicPr>
+        <p:blipFill>
+          <a:blip r:embed="rId2"/>
+          <a:stretch>
+            <a:fillRect/>
+          </a:stretch>
+        </p:blipFill>
+        <p:spPr>
+          <a:xfrm>
+            <a:off x="2640283" y="0"/>
+            <a:ext cx="6911433" cy="6870488"/>
+          </a:xfrm>
+          <a:prstGeom prst="rect">
+            <a:avLst/>
+          </a:prstGeom>
+        </p:spPr>
+      </p:pic>
+      <p:sp>
+        <p:nvSpPr>
+          <p:cNvPr id="4" name="직사각형 3">
+            <a:extLst>
+              <a:ext uri="{FF2B5EF4-FFF2-40B4-BE49-F238E27FC236}">
+                <a16:creationId xmlns:a16="http://schemas.microsoft.com/office/drawing/2014/main" id="{BF0A348F-BA38-45F0-AF92-9E2C422A1DF6}"/>
+              </a:ext>
+            </a:extLst>
+          </p:cNvPr>
+          <p:cNvSpPr/>
+          <p:nvPr/>
+        </p:nvSpPr>
+        <p:spPr>
+          <a:xfrm>
+            <a:off x="-1" y="0"/>
+            <a:ext cx="12192000" cy="6858000"/>
+          </a:xfrm>
+          <a:prstGeom prst="rect">
+            <a:avLst/>
+          </a:prstGeom>
+          <a:solidFill>
+            <a:schemeClr val="tx1">
+              <a:alpha val="80000"/>
+            </a:schemeClr>
+          </a:solidFill>
+        </p:spPr>
+        <p:style>
+          <a:lnRef idx="2">
+            <a:schemeClr val="accent1">
+              <a:shade val="50000"/>
+            </a:schemeClr>
+          </a:lnRef>
+          <a:fillRef idx="1">
+            <a:schemeClr val="accent1"/>
+          </a:fillRef>
+          <a:effectRef idx="0">
+            <a:schemeClr val="accent1"/>
+          </a:effectRef>
+          <a:fontRef idx="minor">
+            <a:schemeClr val="lt1"/>
+          </a:fontRef>
+        </p:style>
+        <p:txBody>
+          <a:bodyPr rtlCol="0" anchor="ctr"/>
+          <a:lstStyle/>
+          <a:p>
+            <a:pPr algn="ctr"/>
+            <a:endParaRPr lang="ko-KR" altLang="en-US" dirty="0"/>
+          </a:p>
+        </p:txBody>
+      </p:sp>
+      <p:sp>
+        <p:nvSpPr>
+          <p:cNvPr id="16" name="제목 15"/>
+          <p:cNvSpPr>
+            <a:spLocks noGrp="1"/>
+          </p:cNvSpPr>
+          <p:nvPr>
+            <p:ph type="title"/>
+          </p:nvPr>
+        </p:nvSpPr>
+        <p:spPr>
+          <a:xfrm>
+            <a:off x="838200" y="365125"/>
+            <a:ext cx="10515600" cy="6173093"/>
+          </a:xfrm>
+        </p:spPr>
+        <p:txBody>
+          <a:bodyPr>
+            <a:normAutofit/>
+          </a:bodyPr>
+          <a:lstStyle/>
+          <a:p>
+            <a:pPr lvl="0"/>
+            <a:r>
+              <a:rPr lang="ko-KR" altLang="en-US" dirty="0" smtClean="0">
+                <a:solidFill>
+                  <a:schemeClr val="bg1"/>
+                </a:solidFill>
+              </a:rPr>
+              <a:t>실행 </a:t>
+            </a:r>
+            <a:r>
+              <a:rPr lang="ko-KR" altLang="en-US" dirty="0" smtClean="0">
+                <a:solidFill>
+                  <a:schemeClr val="bg1"/>
+                </a:solidFill>
+              </a:rPr>
+              <a:t>결과</a:t>
+            </a:r>
+            <a:r>
+              <a:rPr lang="en-US" altLang="ko-KR" dirty="0" smtClean="0">
+                <a:solidFill>
+                  <a:schemeClr val="bg1"/>
+                </a:solidFill>
+              </a:rPr>
+              <a:t/>
+            </a:r>
+            <a:br>
+              <a:rPr lang="en-US" altLang="ko-KR" dirty="0" smtClean="0">
+                <a:solidFill>
+                  <a:schemeClr val="bg1"/>
+                </a:solidFill>
+              </a:rPr>
+            </a:br>
+            <a:r>
+              <a:rPr lang="en-US" altLang="ko-KR" sz="1700" dirty="0" smtClean="0">
+                <a:solidFill>
+                  <a:schemeClr val="bg1"/>
+                </a:solidFill>
+              </a:rPr>
+              <a:t>width_shift_range </a:t>
+            </a:r>
+            <a:r>
+              <a:rPr lang="ko-KR" altLang="en-US" sz="1700" dirty="0" smtClean="0">
+                <a:solidFill>
+                  <a:schemeClr val="bg1"/>
+                </a:solidFill>
+              </a:rPr>
+              <a:t>조정</a:t>
+            </a:r>
+            <a:r>
+              <a:rPr lang="en-US" altLang="ko-KR" sz="1700" dirty="0">
+                <a:solidFill>
+                  <a:schemeClr val="bg1"/>
+                </a:solidFill>
+              </a:rPr>
+              <a:t/>
+            </a:r>
+            <a:br>
+              <a:rPr lang="en-US" altLang="ko-KR" sz="1700" dirty="0">
+                <a:solidFill>
+                  <a:schemeClr val="bg1"/>
+                </a:solidFill>
+              </a:rPr>
+            </a:br>
+            <a:r>
+              <a:rPr lang="en-US" altLang="ko-KR" sz="1700" dirty="0" smtClean="0">
+                <a:solidFill>
+                  <a:schemeClr val="bg1"/>
+                </a:solidFill>
+              </a:rPr>
+              <a:t>height_shift_range </a:t>
+            </a:r>
+            <a:r>
+              <a:rPr lang="ko-KR" altLang="en-US" sz="1700" dirty="0">
+                <a:solidFill>
+                  <a:schemeClr val="bg1"/>
+                </a:solidFill>
+              </a:rPr>
+              <a:t>조정</a:t>
+            </a:r>
+            <a:r>
+              <a:rPr lang="en-US" altLang="ko-KR" sz="1700" dirty="0" smtClean="0">
+                <a:solidFill>
+                  <a:schemeClr val="bg1"/>
+                </a:solidFill>
+              </a:rPr>
+              <a:t/>
+            </a:r>
+            <a:br>
+              <a:rPr lang="en-US" altLang="ko-KR" sz="1700" dirty="0" smtClean="0">
+                <a:solidFill>
+                  <a:schemeClr val="bg1"/>
+                </a:solidFill>
+              </a:rPr>
+            </a:br>
+            <a:r>
+              <a:rPr lang="ko-KR" altLang="ko-KR" sz="1700" dirty="0">
+                <a:solidFill>
+                  <a:schemeClr val="bg1"/>
+                </a:solidFill>
+                <a:ea typeface="Nanum Barun Gothic"/>
+              </a:rPr>
+              <a:t>그림을 수평 또는 수직으로 </a:t>
+            </a:r>
+            <a:r>
+              <a:rPr lang="en-US" altLang="ko-KR" sz="1700" dirty="0" smtClean="0">
+                <a:solidFill>
+                  <a:schemeClr val="bg1"/>
+                </a:solidFill>
+                <a:ea typeface="Nanum Barun Gothic"/>
+              </a:rPr>
+              <a:t/>
+            </a:r>
+            <a:br>
+              <a:rPr lang="en-US" altLang="ko-KR" sz="1700" dirty="0" smtClean="0">
+                <a:solidFill>
+                  <a:schemeClr val="bg1"/>
+                </a:solidFill>
+                <a:ea typeface="Nanum Barun Gothic"/>
+              </a:rPr>
+            </a:br>
+            <a:r>
+              <a:rPr lang="ko-KR" altLang="ko-KR" sz="1700" dirty="0" smtClean="0">
+                <a:solidFill>
+                  <a:schemeClr val="bg1"/>
+                </a:solidFill>
+                <a:ea typeface="Nanum Barun Gothic"/>
+              </a:rPr>
+              <a:t>랜덤하게 </a:t>
+            </a:r>
+            <a:r>
+              <a:rPr lang="ko-KR" altLang="ko-KR" sz="1700" dirty="0">
+                <a:solidFill>
+                  <a:schemeClr val="bg1"/>
+                </a:solidFill>
+                <a:ea typeface="Nanum Barun Gothic"/>
+              </a:rPr>
+              <a:t>평행 이동시키는 범위 </a:t>
+            </a:r>
+            <a:r>
+              <a:rPr lang="en-US" altLang="ko-KR" sz="1700" dirty="0" smtClean="0">
+                <a:solidFill>
+                  <a:schemeClr val="bg1"/>
+                </a:solidFill>
+                <a:ea typeface="Nanum Barun Gothic"/>
+              </a:rPr>
+              <a:t/>
+            </a:r>
+            <a:br>
+              <a:rPr lang="en-US" altLang="ko-KR" sz="1700" dirty="0" smtClean="0">
+                <a:solidFill>
+                  <a:schemeClr val="bg1"/>
+                </a:solidFill>
+                <a:ea typeface="Nanum Barun Gothic"/>
+              </a:rPr>
+            </a:br>
+            <a:r>
+              <a:rPr lang="ko-KR" altLang="ko-KR" sz="1700" dirty="0" smtClean="0">
+                <a:solidFill>
+                  <a:schemeClr val="bg1"/>
+                </a:solidFill>
+                <a:ea typeface="Nanum Barun Gothic"/>
+              </a:rPr>
+              <a:t>(</a:t>
+            </a:r>
+            <a:r>
+              <a:rPr lang="ko-KR" altLang="ko-KR" sz="1700" dirty="0">
+                <a:solidFill>
+                  <a:schemeClr val="bg1"/>
+                </a:solidFill>
+                <a:ea typeface="Nanum Barun Gothic"/>
+              </a:rPr>
+              <a:t>원본 가로, 세로 길이에 대한 비율 값)</a:t>
+            </a:r>
+            <a:r>
+              <a:rPr lang="ko-KR" altLang="ko-KR" sz="1700" dirty="0">
+                <a:solidFill>
+                  <a:schemeClr val="bg1"/>
+                </a:solidFill>
+                <a:latin typeface="Arial" panose="020B0604020202020204" pitchFamily="34" charset="0"/>
+                <a:ea typeface="Nanum Barun Gothic"/>
+              </a:rPr>
+              <a:t/>
+            </a:r>
+            <a:br>
+              <a:rPr lang="ko-KR" altLang="ko-KR" sz="1700" dirty="0">
+                <a:solidFill>
+                  <a:schemeClr val="bg1"/>
+                </a:solidFill>
+                <a:latin typeface="Arial" panose="020B0604020202020204" pitchFamily="34" charset="0"/>
+                <a:ea typeface="Nanum Barun Gothic"/>
+              </a:rPr>
+            </a:br>
+            <a:endParaRPr lang="ko-KR" altLang="en-US" sz="1700" dirty="0">
+              <a:solidFill>
+                <a:schemeClr val="bg1"/>
+              </a:solidFill>
+            </a:endParaRPr>
+          </a:p>
+        </p:txBody>
+      </p:sp>
+      <p:sp>
+        <p:nvSpPr>
+          <p:cNvPr id="6" name="슬라이드 번호 개체 틀 5">
+            <a:extLst>
+              <a:ext uri="{FF2B5EF4-FFF2-40B4-BE49-F238E27FC236}">
+                <a16:creationId xmlns:a16="http://schemas.microsoft.com/office/drawing/2014/main" id="{0D969F13-F0F9-40BB-9F73-11A02D508AEA}"/>
+              </a:ext>
+            </a:extLst>
+          </p:cNvPr>
+          <p:cNvSpPr>
+            <a:spLocks noGrp="1"/>
+          </p:cNvSpPr>
+          <p:nvPr>
+            <p:ph type="sldNum" sz="quarter" idx="12"/>
+          </p:nvPr>
+        </p:nvSpPr>
+        <p:spPr/>
+        <p:txBody>
+          <a:bodyPr/>
+          <a:lstStyle/>
+          <a:p>
+            <a:fld id="{AB81654A-47D9-40E7-9E30-F89685321D9F}" type="slidenum">
+              <a:rPr lang="ko-KR" altLang="en-US" sz="1600" smtClean="0">
+                <a:solidFill>
+                  <a:schemeClr val="bg1"/>
+                </a:solidFill>
+              </a:rPr>
+              <a:t>7</a:t>
+            </a:fld>
+            <a:endParaRPr lang="ko-KR" altLang="en-US" sz="1600" dirty="0">
+              <a:solidFill>
+                <a:schemeClr val="bg1"/>
+              </a:solidFill>
+            </a:endParaRPr>
+          </a:p>
+        </p:txBody>
+      </p:sp>
+      <p:pic>
+        <p:nvPicPr>
+          <p:cNvPr id="5" name="내용 개체 틀 4"/>
+          <p:cNvPicPr>
+            <a:picLocks noGrp="1" noChangeAspect="1"/>
+          </p:cNvPicPr>
+          <p:nvPr>
+            <p:ph idx="1"/>
+          </p:nvPr>
+        </p:nvPicPr>
+        <p:blipFill>
+          <a:blip r:embed="rId3"/>
+          <a:stretch>
+            <a:fillRect/>
+          </a:stretch>
+        </p:blipFill>
+        <p:spPr>
+          <a:xfrm>
+            <a:off x="4947545" y="329673"/>
+            <a:ext cx="2045543" cy="6208545"/>
+          </a:xfrm>
+          <a:prstGeom prst="rect">
+            <a:avLst/>
+          </a:prstGeom>
+        </p:spPr>
+      </p:pic>
+      <p:pic>
+        <p:nvPicPr>
+          <p:cNvPr id="2" name="그림 1"/>
+          <p:cNvPicPr>
+            <a:picLocks noChangeAspect="1"/>
+          </p:cNvPicPr>
+          <p:nvPr/>
+        </p:nvPicPr>
+        <p:blipFill>
+          <a:blip r:embed="rId4"/>
+          <a:stretch>
+            <a:fillRect/>
+          </a:stretch>
+        </p:blipFill>
+        <p:spPr>
+          <a:xfrm>
+            <a:off x="6874609" y="339564"/>
+            <a:ext cx="1913360" cy="6198654"/>
+          </a:xfrm>
+          <a:prstGeom prst="rect">
+            <a:avLst/>
+          </a:prstGeom>
+        </p:spPr>
+      </p:pic>
+      <p:pic>
+        <p:nvPicPr>
+          <p:cNvPr id="3" name="그림 2"/>
+          <p:cNvPicPr>
+            <a:picLocks noChangeAspect="1"/>
+          </p:cNvPicPr>
+          <p:nvPr/>
+        </p:nvPicPr>
+        <p:blipFill>
+          <a:blip r:embed="rId5"/>
+          <a:stretch>
+            <a:fillRect/>
+          </a:stretch>
+        </p:blipFill>
+        <p:spPr>
+          <a:xfrm>
+            <a:off x="8729079" y="339564"/>
+            <a:ext cx="1906911" cy="6193708"/>
+          </a:xfrm>
+          <a:prstGeom prst="rect">
+            <a:avLst/>
+          </a:prstGeom>
+        </p:spPr>
+      </p:pic>
+    </p:spTree>
+    <p:extLst>
+      <p:ext uri="{BB962C8B-B14F-4D97-AF65-F5344CB8AC3E}">
+        <p14:creationId xmlns:p14="http://schemas.microsoft.com/office/powerpoint/2010/main" val="2267418620"/>
+      </p:ext>
+    </p:extLst>
+  </p:cSld>
+  <p:clrMapOvr>
+    <a:masterClrMapping/>
+  </p:clrMapOvr>
+  <p:timing>
+    <p:tnLst>
+      <p:par>
+        <p:cTn id="1" dur="indefinite" restart="never" nodeType="tmRoot"/>
+      </p:par>
+    </p:tnLst>
+  </p:timing>
+</p:sld>
+</file>
+
+<file path=ppt/slides/slide8.xml><?xml version="1.0" encoding="utf-8"?>
+<p:sld xmlns:a="http://schemas.openxmlformats.org/drawingml/2006/main" xmlns:r="http://schemas.openxmlformats.org/officeDocument/2006/relationships" xmlns:p="http://schemas.openxmlformats.org/presentationml/2006/main">
+  <p:cSld>
+    <p:spTree>
+      <p:nvGrpSpPr>
+        <p:cNvPr id="1" name=""/>
+        <p:cNvGrpSpPr/>
+        <p:nvPr/>
+      </p:nvGrpSpPr>
+      <p:grpSpPr>
+        <a:xfrm>
+          <a:off x="0" y="0"/>
+          <a:ext cx="0" cy="0"/>
+          <a:chOff x="0" y="0"/>
+          <a:chExt cx="0" cy="0"/>
+        </a:xfrm>
+      </p:grpSpPr>
+      <p:pic>
+        <p:nvPicPr>
+          <p:cNvPr id="7" name="그림 6"/>
+          <p:cNvPicPr>
+            <a:picLocks noChangeAspect="1"/>
+          </p:cNvPicPr>
+          <p:nvPr/>
+        </p:nvPicPr>
+        <p:blipFill>
+          <a:blip r:embed="rId2"/>
+          <a:stretch>
+            <a:fillRect/>
+          </a:stretch>
+        </p:blipFill>
+        <p:spPr>
+          <a:xfrm>
+            <a:off x="2640283" y="0"/>
+            <a:ext cx="6911433" cy="6870488"/>
+          </a:xfrm>
+          <a:prstGeom prst="rect">
+            <a:avLst/>
+          </a:prstGeom>
+        </p:spPr>
+      </p:pic>
+      <p:sp>
+        <p:nvSpPr>
+          <p:cNvPr id="4" name="직사각형 3">
+            <a:extLst>
+              <a:ext uri="{FF2B5EF4-FFF2-40B4-BE49-F238E27FC236}">
+                <a16:creationId xmlns:a16="http://schemas.microsoft.com/office/drawing/2014/main" id="{BF0A348F-BA38-45F0-AF92-9E2C422A1DF6}"/>
+              </a:ext>
+            </a:extLst>
+          </p:cNvPr>
+          <p:cNvSpPr/>
+          <p:nvPr/>
+        </p:nvSpPr>
+        <p:spPr>
+          <a:xfrm>
+            <a:off x="-1" y="0"/>
+            <a:ext cx="12192000" cy="6858000"/>
+          </a:xfrm>
+          <a:prstGeom prst="rect">
+            <a:avLst/>
+          </a:prstGeom>
+          <a:solidFill>
+            <a:schemeClr val="tx1">
+              <a:alpha val="80000"/>
+            </a:schemeClr>
+          </a:solidFill>
+        </p:spPr>
+        <p:style>
+          <a:lnRef idx="2">
+            <a:schemeClr val="accent1">
+              <a:shade val="50000"/>
+            </a:schemeClr>
+          </a:lnRef>
+          <a:fillRef idx="1">
+            <a:schemeClr val="accent1"/>
+          </a:fillRef>
+          <a:effectRef idx="0">
+            <a:schemeClr val="accent1"/>
+          </a:effectRef>
+          <a:fontRef idx="minor">
+            <a:schemeClr val="lt1"/>
+          </a:fontRef>
+        </p:style>
+        <p:txBody>
+          <a:bodyPr rtlCol="0" anchor="ctr"/>
+          <a:lstStyle/>
+          <a:p>
+            <a:pPr algn="ctr"/>
+            <a:endParaRPr lang="ko-KR" altLang="en-US" dirty="0"/>
+          </a:p>
+        </p:txBody>
+      </p:sp>
+      <p:sp>
+        <p:nvSpPr>
+          <p:cNvPr id="16" name="제목 15"/>
+          <p:cNvSpPr>
+            <a:spLocks noGrp="1"/>
+          </p:cNvSpPr>
+          <p:nvPr>
+            <p:ph type="title"/>
+          </p:nvPr>
+        </p:nvSpPr>
+        <p:spPr>
+          <a:xfrm>
+            <a:off x="838200" y="365125"/>
+            <a:ext cx="10515600" cy="6173093"/>
+          </a:xfrm>
+        </p:spPr>
+        <p:txBody>
+          <a:bodyPr>
+            <a:normAutofit/>
+          </a:bodyPr>
+          <a:lstStyle/>
+          <a:p>
+            <a:pPr lvl="0"/>
+            <a:r>
+              <a:rPr lang="ko-KR" altLang="en-US" dirty="0" smtClean="0">
+                <a:solidFill>
+                  <a:schemeClr val="bg1"/>
+                </a:solidFill>
+              </a:rPr>
+              <a:t>실행 </a:t>
+            </a:r>
+            <a:r>
+              <a:rPr lang="ko-KR" altLang="en-US" dirty="0" smtClean="0">
+                <a:solidFill>
+                  <a:schemeClr val="bg1"/>
+                </a:solidFill>
+              </a:rPr>
+              <a:t>결과</a:t>
+            </a:r>
+            <a:r>
+              <a:rPr lang="en-US" altLang="ko-KR" dirty="0" smtClean="0">
+                <a:solidFill>
+                  <a:schemeClr val="bg1"/>
+                </a:solidFill>
+              </a:rPr>
+              <a:t/>
+            </a:r>
+            <a:br>
+              <a:rPr lang="en-US" altLang="ko-KR" dirty="0" smtClean="0">
+                <a:solidFill>
+                  <a:schemeClr val="bg1"/>
+                </a:solidFill>
+              </a:rPr>
+            </a:br>
+            <a:r>
+              <a:rPr lang="en-US" altLang="ko-KR" sz="1800" dirty="0" smtClean="0">
+                <a:solidFill>
+                  <a:schemeClr val="bg1"/>
+                </a:solidFill>
+              </a:rPr>
+              <a:t>shear_range </a:t>
+            </a:r>
+            <a:r>
+              <a:rPr lang="ko-KR" altLang="en-US" sz="1800" dirty="0" smtClean="0">
+                <a:solidFill>
+                  <a:schemeClr val="bg1"/>
+                </a:solidFill>
+              </a:rPr>
+              <a:t>조정</a:t>
+            </a:r>
+            <a:r>
+              <a:rPr lang="en-US" altLang="ko-KR" sz="1800" dirty="0" smtClean="0">
+                <a:solidFill>
+                  <a:schemeClr val="bg1"/>
+                </a:solidFill>
+              </a:rPr>
+              <a:t/>
+            </a:r>
+            <a:br>
+              <a:rPr lang="en-US" altLang="ko-KR" sz="1800" dirty="0" smtClean="0">
+                <a:solidFill>
+                  <a:schemeClr val="bg1"/>
+                </a:solidFill>
+              </a:rPr>
+            </a:br>
+            <a:r>
+              <a:rPr lang="ko-KR" altLang="ko-KR" sz="1800" dirty="0">
+                <a:solidFill>
+                  <a:schemeClr val="bg1"/>
+                </a:solidFill>
+                <a:ea typeface="Nanum Barun Gothic"/>
+              </a:rPr>
+              <a:t>임의 전단 </a:t>
+            </a:r>
+            <a:r>
+              <a:rPr lang="ko-KR" altLang="ko-KR" sz="1800" dirty="0" smtClean="0">
+                <a:solidFill>
+                  <a:schemeClr val="bg1"/>
+                </a:solidFill>
+                <a:ea typeface="Nanum Barun Gothic"/>
+              </a:rPr>
+              <a:t>변환</a:t>
+            </a:r>
+            <a:r>
+              <a:rPr lang="ko-KR" altLang="ko-KR" sz="1800" dirty="0">
+                <a:solidFill>
+                  <a:schemeClr val="bg1"/>
+                </a:solidFill>
+                <a:ea typeface="Nanum Barun Gothic"/>
+              </a:rPr>
+              <a:t> 범위</a:t>
+            </a:r>
+            <a:r>
+              <a:rPr lang="en-US" altLang="ko-KR" sz="1800" dirty="0" smtClean="0">
+                <a:solidFill>
+                  <a:schemeClr val="bg1"/>
+                </a:solidFill>
+                <a:ea typeface="Nanum Barun Gothic"/>
+              </a:rPr>
+              <a:t/>
+            </a:r>
+            <a:br>
+              <a:rPr lang="en-US" altLang="ko-KR" sz="1800" dirty="0" smtClean="0">
+                <a:solidFill>
+                  <a:schemeClr val="bg1"/>
+                </a:solidFill>
+                <a:ea typeface="Nanum Barun Gothic"/>
+              </a:rPr>
+            </a:br>
+            <a:r>
+              <a:rPr lang="ko-KR" altLang="ko-KR" sz="1800" dirty="0" smtClean="0">
+                <a:solidFill>
+                  <a:schemeClr val="bg1"/>
+                </a:solidFill>
+                <a:ea typeface="Nanum Barun Gothic"/>
+              </a:rPr>
+              <a:t>(shearing</a:t>
+            </a:r>
+            <a:r>
+              <a:rPr lang="en-US" altLang="ko-KR" sz="1800" dirty="0" smtClean="0">
+                <a:solidFill>
+                  <a:schemeClr val="bg1"/>
+                </a:solidFill>
+                <a:ea typeface="Nanum Barun Gothic"/>
+              </a:rPr>
+              <a:t>_</a:t>
+            </a:r>
+            <a:r>
+              <a:rPr lang="ko-KR" altLang="ko-KR" sz="1800" dirty="0" smtClean="0">
+                <a:solidFill>
+                  <a:schemeClr val="bg1"/>
+                </a:solidFill>
+                <a:ea typeface="Nanum Barun Gothic"/>
+              </a:rPr>
+              <a:t>transformation)</a:t>
+            </a:r>
+            <a:endParaRPr lang="ko-KR" altLang="en-US" sz="1800" dirty="0">
+              <a:solidFill>
+                <a:schemeClr val="bg1"/>
+              </a:solidFill>
+            </a:endParaRPr>
+          </a:p>
+        </p:txBody>
+      </p:sp>
+      <p:sp>
+        <p:nvSpPr>
+          <p:cNvPr id="6" name="슬라이드 번호 개체 틀 5">
+            <a:extLst>
+              <a:ext uri="{FF2B5EF4-FFF2-40B4-BE49-F238E27FC236}">
+                <a16:creationId xmlns:a16="http://schemas.microsoft.com/office/drawing/2014/main" id="{0D969F13-F0F9-40BB-9F73-11A02D508AEA}"/>
+              </a:ext>
+            </a:extLst>
+          </p:cNvPr>
+          <p:cNvSpPr>
+            <a:spLocks noGrp="1"/>
+          </p:cNvSpPr>
+          <p:nvPr>
+            <p:ph type="sldNum" sz="quarter" idx="12"/>
+          </p:nvPr>
+        </p:nvSpPr>
+        <p:spPr/>
+        <p:txBody>
+          <a:bodyPr/>
+          <a:lstStyle/>
+          <a:p>
+            <a:fld id="{AB81654A-47D9-40E7-9E30-F89685321D9F}" type="slidenum">
+              <a:rPr lang="ko-KR" altLang="en-US" sz="1600" smtClean="0">
+                <a:solidFill>
+                  <a:schemeClr val="bg1"/>
+                </a:solidFill>
+              </a:rPr>
+              <a:t>8</a:t>
+            </a:fld>
+            <a:endParaRPr lang="ko-KR" altLang="en-US" sz="1600" dirty="0">
+              <a:solidFill>
+                <a:schemeClr val="bg1"/>
+              </a:solidFill>
+            </a:endParaRPr>
+          </a:p>
+        </p:txBody>
+      </p:sp>
+      <p:pic>
+        <p:nvPicPr>
+          <p:cNvPr id="5" name="내용 개체 틀 4"/>
+          <p:cNvPicPr>
+            <a:picLocks noGrp="1" noChangeAspect="1"/>
+          </p:cNvPicPr>
+          <p:nvPr>
+            <p:ph idx="1"/>
+          </p:nvPr>
+        </p:nvPicPr>
+        <p:blipFill>
+          <a:blip r:embed="rId3"/>
+          <a:stretch>
+            <a:fillRect/>
+          </a:stretch>
+        </p:blipFill>
+        <p:spPr>
+          <a:xfrm>
+            <a:off x="4947545" y="329673"/>
+            <a:ext cx="2045543" cy="6208545"/>
+          </a:xfrm>
+          <a:prstGeom prst="rect">
+            <a:avLst/>
+          </a:prstGeom>
+        </p:spPr>
+      </p:pic>
+      <p:pic>
+        <p:nvPicPr>
+          <p:cNvPr id="3" name="그림 2"/>
+          <p:cNvPicPr>
+            <a:picLocks noChangeAspect="1"/>
+          </p:cNvPicPr>
+          <p:nvPr/>
+        </p:nvPicPr>
+        <p:blipFill>
+          <a:blip r:embed="rId4">
+            <a:extLst>
+              <a:ext uri="{28A0092B-C50C-407E-A947-70E740481C1C}">
+                <a14:useLocalDpi xmlns:a14="http://schemas.microsoft.com/office/drawing/2010/main" val="0"/>
+              </a:ext>
+            </a:extLst>
+          </a:blip>
+          <a:stretch>
+            <a:fillRect/>
+          </a:stretch>
+        </p:blipFill>
+        <p:spPr>
+          <a:xfrm>
+            <a:off x="838199" y="4586433"/>
+            <a:ext cx="3610347" cy="1620972"/>
+          </a:xfrm>
+          <a:prstGeom prst="rect">
+            <a:avLst/>
+          </a:prstGeom>
+        </p:spPr>
+      </p:pic>
+      <p:pic>
+        <p:nvPicPr>
+          <p:cNvPr id="8" name="그림 7"/>
+          <p:cNvPicPr>
+            <a:picLocks noChangeAspect="1"/>
+          </p:cNvPicPr>
+          <p:nvPr/>
+        </p:nvPicPr>
+        <p:blipFill>
+          <a:blip r:embed="rId5"/>
+          <a:stretch>
+            <a:fillRect/>
+          </a:stretch>
+        </p:blipFill>
+        <p:spPr>
+          <a:xfrm>
+            <a:off x="7772401" y="329673"/>
+            <a:ext cx="1849186" cy="6208545"/>
+          </a:xfrm>
+          <a:prstGeom prst="rect">
+            <a:avLst/>
+          </a:prstGeom>
+        </p:spPr>
+      </p:pic>
+    </p:spTree>
+    <p:extLst>
+      <p:ext uri="{BB962C8B-B14F-4D97-AF65-F5344CB8AC3E}">
+        <p14:creationId xmlns:p14="http://schemas.microsoft.com/office/powerpoint/2010/main" val="3108092518"/>
+      </p:ext>
+    </p:extLst>
+  </p:cSld>
+  <p:clrMapOvr>
+    <a:masterClrMapping/>
+  </p:clrMapOvr>
+  <p:timing>
+    <p:tnLst>
+      <p:par>
+        <p:cTn id="1" dur="indefinite" restart="never" nodeType="tmRoot"/>
+      </p:par>
+    </p:tnLst>
+  </p:timing>
+</p:sld>
+</file>
+
+<file path=ppt/slides/slide9.xml><?xml version="1.0" encoding="utf-8"?>
+<p:sld xmlns:a="http://schemas.openxmlformats.org/drawingml/2006/main" xmlns:r="http://schemas.openxmlformats.org/officeDocument/2006/relationships" xmlns:p="http://schemas.openxmlformats.org/presentationml/2006/main">
+  <p:cSld>
+    <p:spTree>
+      <p:nvGrpSpPr>
+        <p:cNvPr id="1" name=""/>
+        <p:cNvGrpSpPr/>
+        <p:nvPr/>
+      </p:nvGrpSpPr>
+      <p:grpSpPr>
+        <a:xfrm>
+          <a:off x="0" y="0"/>
+          <a:ext cx="0" cy="0"/>
+          <a:chOff x="0" y="0"/>
+          <a:chExt cx="0" cy="0"/>
+        </a:xfrm>
+      </p:grpSpPr>
+      <p:pic>
+        <p:nvPicPr>
+          <p:cNvPr id="7" name="그림 6"/>
+          <p:cNvPicPr>
+            <a:picLocks noChangeAspect="1"/>
+          </p:cNvPicPr>
+          <p:nvPr/>
+        </p:nvPicPr>
+        <p:blipFill>
+          <a:blip r:embed="rId2"/>
+          <a:stretch>
+            <a:fillRect/>
+          </a:stretch>
+        </p:blipFill>
+        <p:spPr>
+          <a:xfrm>
+            <a:off x="2640283" y="0"/>
+            <a:ext cx="6911433" cy="6870488"/>
+          </a:xfrm>
+          <a:prstGeom prst="rect">
+            <a:avLst/>
+          </a:prstGeom>
+        </p:spPr>
+      </p:pic>
+      <p:sp>
+        <p:nvSpPr>
+          <p:cNvPr id="4" name="직사각형 3">
+            <a:extLst>
+              <a:ext uri="{FF2B5EF4-FFF2-40B4-BE49-F238E27FC236}">
+                <a16:creationId xmlns:a16="http://schemas.microsoft.com/office/drawing/2014/main" id="{BF0A348F-BA38-45F0-AF92-9E2C422A1DF6}"/>
+              </a:ext>
+            </a:extLst>
+          </p:cNvPr>
+          <p:cNvSpPr/>
+          <p:nvPr/>
+        </p:nvSpPr>
+        <p:spPr>
+          <a:xfrm>
+            <a:off x="-1" y="0"/>
+            <a:ext cx="12192000" cy="6858000"/>
+          </a:xfrm>
+          <a:prstGeom prst="rect">
+            <a:avLst/>
+          </a:prstGeom>
+          <a:solidFill>
+            <a:schemeClr val="tx1">
+              <a:alpha val="80000"/>
+            </a:schemeClr>
+          </a:solidFill>
+        </p:spPr>
+        <p:style>
+          <a:lnRef idx="2">
+            <a:schemeClr val="accent1">
+              <a:shade val="50000"/>
+            </a:schemeClr>
+          </a:lnRef>
+          <a:fillRef idx="1">
+            <a:schemeClr val="accent1"/>
+          </a:fillRef>
+          <a:effectRef idx="0">
+            <a:schemeClr val="accent1"/>
+          </a:effectRef>
+          <a:fontRef idx="minor">
+            <a:schemeClr val="lt1"/>
+          </a:fontRef>
+        </p:style>
+        <p:txBody>
+          <a:bodyPr rtlCol="0" anchor="ctr"/>
+          <a:lstStyle/>
+          <a:p>
+            <a:pPr algn="ctr"/>
+            <a:endParaRPr lang="ko-KR" altLang="en-US" dirty="0"/>
+          </a:p>
+        </p:txBody>
+      </p:sp>
+      <p:sp>
+        <p:nvSpPr>
+          <p:cNvPr id="16" name="제목 15"/>
+          <p:cNvSpPr>
+            <a:spLocks noGrp="1"/>
+          </p:cNvSpPr>
+          <p:nvPr>
+            <p:ph type="title"/>
+          </p:nvPr>
+        </p:nvSpPr>
+        <p:spPr>
+          <a:xfrm>
+            <a:off x="838200" y="365125"/>
+            <a:ext cx="10515600" cy="6173093"/>
+          </a:xfrm>
+        </p:spPr>
+        <p:txBody>
+          <a:bodyPr>
+            <a:normAutofit/>
+          </a:bodyPr>
+          <a:lstStyle/>
+          <a:p>
+            <a:pPr lvl="0"/>
+            <a:r>
+              <a:rPr lang="ko-KR" altLang="en-US" dirty="0" smtClean="0">
+                <a:solidFill>
+                  <a:schemeClr val="bg1"/>
+                </a:solidFill>
+              </a:rPr>
+              <a:t>실행 </a:t>
+            </a:r>
+            <a:r>
+              <a:rPr lang="ko-KR" altLang="en-US" dirty="0" smtClean="0">
+                <a:solidFill>
+                  <a:schemeClr val="bg1"/>
+                </a:solidFill>
+              </a:rPr>
+              <a:t>결과</a:t>
+            </a:r>
+            <a:r>
+              <a:rPr lang="en-US" altLang="ko-KR" dirty="0" smtClean="0">
+                <a:solidFill>
+                  <a:schemeClr val="bg1"/>
+                </a:solidFill>
+              </a:rPr>
+              <a:t/>
+            </a:r>
+            <a:br>
+              <a:rPr lang="en-US" altLang="ko-KR" dirty="0" smtClean="0">
+                <a:solidFill>
+                  <a:schemeClr val="bg1"/>
+                </a:solidFill>
+              </a:rPr>
+            </a:br>
+            <a:r>
+              <a:rPr lang="en-US" altLang="ko-KR" sz="1800" dirty="0" smtClean="0">
+                <a:solidFill>
+                  <a:schemeClr val="bg1"/>
+                </a:solidFill>
+              </a:rPr>
+              <a:t>zoom</a:t>
+            </a:r>
+            <a:r>
+              <a:rPr lang="en-US" altLang="ko-KR" sz="1800" dirty="0" smtClean="0">
+                <a:solidFill>
+                  <a:schemeClr val="bg1"/>
+                </a:solidFill>
+              </a:rPr>
+              <a:t>_range </a:t>
+            </a:r>
+            <a:r>
+              <a:rPr lang="ko-KR" altLang="en-US" sz="1800" dirty="0" smtClean="0">
+                <a:solidFill>
+                  <a:schemeClr val="bg1"/>
+                </a:solidFill>
+              </a:rPr>
+              <a:t>조정</a:t>
+            </a:r>
+            <a:r>
+              <a:rPr lang="en-US" altLang="ko-KR" sz="1800" dirty="0" smtClean="0">
+                <a:solidFill>
+                  <a:schemeClr val="bg1"/>
+                </a:solidFill>
+              </a:rPr>
+              <a:t/>
+            </a:r>
+            <a:br>
+              <a:rPr lang="en-US" altLang="ko-KR" sz="1800" dirty="0" smtClean="0">
+                <a:solidFill>
+                  <a:schemeClr val="bg1"/>
+                </a:solidFill>
+              </a:rPr>
+            </a:br>
+            <a:r>
+              <a:rPr lang="ko-KR" altLang="ko-KR" sz="1800" dirty="0">
+                <a:solidFill>
+                  <a:schemeClr val="bg1"/>
+                </a:solidFill>
+                <a:ea typeface="Nanum Barun Gothic"/>
+              </a:rPr>
+              <a:t>임의 확대/축소 범위</a:t>
+            </a:r>
+            <a:r>
+              <a:rPr lang="ko-KR" altLang="ko-KR" sz="2800" dirty="0">
+                <a:solidFill>
+                  <a:schemeClr val="bg1"/>
+                </a:solidFill>
+                <a:latin typeface="Arial" panose="020B0604020202020204" pitchFamily="34" charset="0"/>
+                <a:ea typeface="Nanum Barun Gothic"/>
+              </a:rPr>
+              <a:t/>
+            </a:r>
+            <a:br>
+              <a:rPr lang="ko-KR" altLang="ko-KR" sz="2800" dirty="0">
+                <a:solidFill>
+                  <a:schemeClr val="bg1"/>
+                </a:solidFill>
+                <a:latin typeface="Arial" panose="020B0604020202020204" pitchFamily="34" charset="0"/>
+                <a:ea typeface="Nanum Barun Gothic"/>
+              </a:rPr>
+            </a:br>
+            <a:endParaRPr lang="ko-KR" altLang="en-US" sz="2700" dirty="0">
+              <a:solidFill>
+                <a:schemeClr val="bg1"/>
+              </a:solidFill>
+            </a:endParaRPr>
+          </a:p>
+        </p:txBody>
+      </p:sp>
+      <p:sp>
+        <p:nvSpPr>
+          <p:cNvPr id="6" name="슬라이드 번호 개체 틀 5">
+            <a:extLst>
+              <a:ext uri="{FF2B5EF4-FFF2-40B4-BE49-F238E27FC236}">
+                <a16:creationId xmlns:a16="http://schemas.microsoft.com/office/drawing/2014/main" id="{0D969F13-F0F9-40BB-9F73-11A02D508AEA}"/>
+              </a:ext>
+            </a:extLst>
+          </p:cNvPr>
+          <p:cNvSpPr>
+            <a:spLocks noGrp="1"/>
+          </p:cNvSpPr>
+          <p:nvPr>
+            <p:ph type="sldNum" sz="quarter" idx="12"/>
+          </p:nvPr>
+        </p:nvSpPr>
+        <p:spPr/>
+        <p:txBody>
+          <a:bodyPr/>
+          <a:lstStyle/>
+          <a:p>
+            <a:fld id="{AB81654A-47D9-40E7-9E30-F89685321D9F}" type="slidenum">
+              <a:rPr lang="ko-KR" altLang="en-US" sz="1600" smtClean="0">
+                <a:solidFill>
+                  <a:schemeClr val="bg1"/>
+                </a:solidFill>
+              </a:rPr>
+              <a:t>9</a:t>
+            </a:fld>
+            <a:endParaRPr lang="ko-KR" altLang="en-US" sz="1600" dirty="0">
+              <a:solidFill>
+                <a:schemeClr val="bg1"/>
+              </a:solidFill>
+            </a:endParaRPr>
+          </a:p>
+        </p:txBody>
+      </p:sp>
+      <p:pic>
+        <p:nvPicPr>
+          <p:cNvPr id="5" name="내용 개체 틀 4"/>
+          <p:cNvPicPr>
+            <a:picLocks noGrp="1" noChangeAspect="1"/>
+          </p:cNvPicPr>
+          <p:nvPr>
+            <p:ph idx="1"/>
+          </p:nvPr>
+        </p:nvPicPr>
+        <p:blipFill>
+          <a:blip r:embed="rId3"/>
+          <a:stretch>
+            <a:fillRect/>
+          </a:stretch>
+        </p:blipFill>
+        <p:spPr>
+          <a:xfrm>
+            <a:off x="4947545" y="329673"/>
+            <a:ext cx="2045543" cy="6208545"/>
+          </a:xfrm>
+          <a:prstGeom prst="rect">
+            <a:avLst/>
+          </a:prstGeom>
+        </p:spPr>
+      </p:pic>
+      <p:pic>
+        <p:nvPicPr>
+          <p:cNvPr id="2" name="그림 1"/>
+          <p:cNvPicPr>
+            <a:picLocks noChangeAspect="1"/>
+          </p:cNvPicPr>
+          <p:nvPr/>
+        </p:nvPicPr>
+        <p:blipFill>
+          <a:blip r:embed="rId4"/>
+          <a:stretch>
+            <a:fillRect/>
+          </a:stretch>
+        </p:blipFill>
+        <p:spPr>
+          <a:xfrm>
+            <a:off x="7772401" y="329673"/>
+            <a:ext cx="1884737" cy="6208545"/>
+          </a:xfrm>
+          <a:prstGeom prst="rect">
+            <a:avLst/>
+          </a:prstGeom>
+        </p:spPr>
+      </p:pic>
+    </p:spTree>
+    <p:extLst>
+      <p:ext uri="{BB962C8B-B14F-4D97-AF65-F5344CB8AC3E}">
+        <p14:creationId xmlns:p14="http://schemas.microsoft.com/office/powerpoint/2010/main" val="2744016355"/>
       </p:ext>
     </p:extLst>
   </p:cSld>
